--- a/Final Project/Final-Project-Presentation.pptx
+++ b/Final Project/Final-Project-Presentation.pptx
@@ -7,14 +7,16 @@
   <p:sldIdLst>
     <p:sldId id="256" r:id="rId2"/>
     <p:sldId id="257" r:id="rId3"/>
-    <p:sldId id="258" r:id="rId4"/>
-    <p:sldId id="259" r:id="rId5"/>
-    <p:sldId id="260" r:id="rId6"/>
-    <p:sldId id="263" r:id="rId7"/>
-    <p:sldId id="261" r:id="rId8"/>
-    <p:sldId id="262" r:id="rId9"/>
-    <p:sldId id="264" r:id="rId10"/>
-    <p:sldId id="265" r:id="rId11"/>
+    <p:sldId id="267" r:id="rId4"/>
+    <p:sldId id="266" r:id="rId5"/>
+    <p:sldId id="258" r:id="rId6"/>
+    <p:sldId id="259" r:id="rId7"/>
+    <p:sldId id="260" r:id="rId8"/>
+    <p:sldId id="263" r:id="rId9"/>
+    <p:sldId id="262" r:id="rId10"/>
+    <p:sldId id="261" r:id="rId11"/>
+    <p:sldId id="264" r:id="rId12"/>
+    <p:sldId id="265" r:id="rId13"/>
   </p:sldIdLst>
   <p:sldSz cx="12192000" cy="6858000"/>
   <p:notesSz cx="6858000" cy="9144000"/>
@@ -365,7 +367,7 @@
           <a:p>
             <a:fld id="{9184DA70-C731-4C70-880D-CCD4705E623C}" type="datetime1">
               <a:rPr lang="en-US" smtClean="0"/>
-              <a:t>12/3/19</a:t>
+              <a:t>12/7/19</a:t>
             </a:fld>
             <a:endParaRPr lang="en-US" dirty="0"/>
           </a:p>
@@ -553,7 +555,7 @@
           <a:p>
             <a:fld id="{B612A279-0833-481D-8C56-F67FD0AC6C50}" type="datetime1">
               <a:rPr lang="en-US" smtClean="0"/>
-              <a:t>12/3/19</a:t>
+              <a:t>12/7/19</a:t>
             </a:fld>
             <a:endParaRPr lang="en-US" dirty="0"/>
           </a:p>
@@ -795,7 +797,7 @@
           <a:p>
             <a:fld id="{6587DA83-5663-4C9C-B9AA-0B40A3DAFF81}" type="datetime1">
               <a:rPr lang="en-US" smtClean="0"/>
-              <a:t>12/3/19</a:t>
+              <a:t>12/7/19</a:t>
             </a:fld>
             <a:endParaRPr lang="en-US" dirty="0"/>
           </a:p>
@@ -983,7 +985,7 @@
           <a:p>
             <a:fld id="{4BE1D723-8F53-4F53-90B0-1982A396982E}" type="datetime1">
               <a:rPr lang="en-US" smtClean="0"/>
-              <a:t>12/3/19</a:t>
+              <a:t>12/7/19</a:t>
             </a:fld>
             <a:endParaRPr lang="en-US" dirty="0"/>
           </a:p>
@@ -1356,7 +1358,7 @@
           <a:p>
             <a:fld id="{97669AF7-7BEB-44E4-9852-375E34362B5B}" type="datetime1">
               <a:rPr lang="en-US" smtClean="0"/>
-              <a:t>12/3/19</a:t>
+              <a:t>12/7/19</a:t>
             </a:fld>
             <a:endParaRPr lang="en-US" dirty="0"/>
           </a:p>
@@ -1611,7 +1613,7 @@
           <a:p>
             <a:fld id="{BAAAC38D-0552-4C82-B593-E6124DFADBE2}" type="datetime1">
               <a:rPr lang="en-US" smtClean="0"/>
-              <a:t>12/3/19</a:t>
+              <a:t>12/7/19</a:t>
             </a:fld>
             <a:endParaRPr lang="en-US" dirty="0"/>
           </a:p>
@@ -2008,7 +2010,7 @@
           <a:p>
             <a:fld id="{D9DF0F1C-5577-4ACB-BB62-DF8F3C494C7E}" type="datetime1">
               <a:rPr lang="en-US" smtClean="0"/>
-              <a:t>12/3/19</a:t>
+              <a:t>12/7/19</a:t>
             </a:fld>
             <a:endParaRPr lang="en-US" dirty="0"/>
           </a:p>
@@ -2144,7 +2146,7 @@
           <a:p>
             <a:fld id="{1775B394-D9F9-4F0C-B15D-605F45CB9E9F}" type="datetime1">
               <a:rPr lang="en-US" smtClean="0"/>
-              <a:t>12/3/19</a:t>
+              <a:t>12/7/19</a:t>
             </a:fld>
             <a:endParaRPr lang="en-US" dirty="0"/>
           </a:p>
@@ -2301,7 +2303,7 @@
           <a:p>
             <a:fld id="{39667345-2558-425A-8533-9BFDBCE15005}" type="datetime1">
               <a:rPr lang="en-US" smtClean="0"/>
-              <a:t>12/3/19</a:t>
+              <a:t>12/7/19</a:t>
             </a:fld>
             <a:endParaRPr lang="en-US" dirty="0"/>
           </a:p>
@@ -2630,7 +2632,7 @@
           <a:p>
             <a:fld id="{92BEA474-078D-4E9B-9B14-09A87B19DC46}" type="datetime1">
               <a:rPr lang="en-US" smtClean="0"/>
-              <a:t>12/3/19</a:t>
+              <a:t>12/7/19</a:t>
             </a:fld>
             <a:endParaRPr lang="en-US" dirty="0"/>
           </a:p>
@@ -2980,7 +2982,7 @@
           <a:p>
             <a:fld id="{4907D986-8816-4272-A432-0437A28A9828}" type="datetime1">
               <a:rPr lang="en-US" smtClean="0"/>
-              <a:t>12/3/19</a:t>
+              <a:t>12/7/19</a:t>
             </a:fld>
             <a:endParaRPr lang="en-US" dirty="0"/>
           </a:p>
@@ -3241,7 +3243,7 @@
           <a:p>
             <a:fld id="{62D6E202-B606-4609-B914-27C9371A1F6D}" type="datetime1">
               <a:rPr lang="en-US" smtClean="0"/>
-              <a:t>12/3/19</a:t>
+              <a:t>12/7/19</a:t>
             </a:fld>
             <a:endParaRPr lang="en-US" dirty="0"/>
           </a:p>
@@ -4155,10 +4157,10 @@
       </p:grpSpPr>
       <p:pic>
         <p:nvPicPr>
-          <p:cNvPr id="3" name="Picture 2" descr="A close up of a newspaper&#10;&#10;Description automatically generated">
-            <a:extLst>
-              <a:ext uri="{FF2B5EF4-FFF2-40B4-BE49-F238E27FC236}">
-                <a16:creationId xmlns:a16="http://schemas.microsoft.com/office/drawing/2014/main" id="{C1E12A71-101D-B448-8CBE-83BF98D6C0EF}"/>
+          <p:cNvPr id="4" name="Picture 3" descr="A picture containing screenshot&#10;&#10;Description automatically generated">
+            <a:extLst>
+              <a:ext uri="{FF2B5EF4-FFF2-40B4-BE49-F238E27FC236}">
+                <a16:creationId xmlns:a16="http://schemas.microsoft.com/office/drawing/2014/main" id="{F017AF8C-D6F8-B041-8F30-6D6E507CC03C}"/>
               </a:ext>
             </a:extLst>
           </p:cNvPr>
@@ -4175,14 +4177,261 @@
         </p:blipFill>
         <p:spPr>
           <a:xfrm>
-            <a:off x="4517575" y="-10886"/>
-            <a:ext cx="7674428" cy="6858000"/>
+            <a:off x="81025" y="1122744"/>
+            <a:ext cx="5797991" cy="4853397"/>
           </a:xfrm>
           <a:prstGeom prst="rect">
             <a:avLst/>
           </a:prstGeom>
         </p:spPr>
       </p:pic>
+      <p:pic>
+        <p:nvPicPr>
+          <p:cNvPr id="7" name="Picture 6" descr="A screenshot of a cell phone&#10;&#10;Description automatically generated">
+            <a:extLst>
+              <a:ext uri="{FF2B5EF4-FFF2-40B4-BE49-F238E27FC236}">
+                <a16:creationId xmlns:a16="http://schemas.microsoft.com/office/drawing/2014/main" id="{6FEDCDA9-073C-3948-B5EA-23DC8C374BEC}"/>
+              </a:ext>
+            </a:extLst>
+          </p:cNvPr>
+          <p:cNvPicPr>
+            <a:picLocks noChangeAspect="1"/>
+          </p:cNvPicPr>
+          <p:nvPr/>
+        </p:nvPicPr>
+        <p:blipFill>
+          <a:blip r:embed="rId3"/>
+          <a:stretch>
+            <a:fillRect/>
+          </a:stretch>
+        </p:blipFill>
+        <p:spPr>
+          <a:xfrm>
+            <a:off x="6296630" y="1122743"/>
+            <a:ext cx="5797991" cy="4826643"/>
+          </a:xfrm>
+          <a:prstGeom prst="rect">
+            <a:avLst/>
+          </a:prstGeom>
+        </p:spPr>
+      </p:pic>
+      <p:sp>
+        <p:nvSpPr>
+          <p:cNvPr id="8" name="TextBox 7">
+            <a:extLst>
+              <a:ext uri="{FF2B5EF4-FFF2-40B4-BE49-F238E27FC236}">
+                <a16:creationId xmlns:a16="http://schemas.microsoft.com/office/drawing/2014/main" id="{EE96E881-F89B-6B48-9529-8871ADB3F894}"/>
+              </a:ext>
+            </a:extLst>
+          </p:cNvPr>
+          <p:cNvSpPr txBox="1"/>
+          <p:nvPr/>
+        </p:nvSpPr>
+        <p:spPr>
+          <a:xfrm>
+            <a:off x="3701684" y="150472"/>
+            <a:ext cx="4788631" cy="461665"/>
+          </a:xfrm>
+          <a:prstGeom prst="rect">
+            <a:avLst/>
+          </a:prstGeom>
+          <a:noFill/>
+        </p:spPr>
+        <p:txBody>
+          <a:bodyPr wrap="square" rtlCol="0">
+            <a:spAutoFit/>
+          </a:bodyPr>
+          <a:lstStyle/>
+          <a:p>
+            <a:r>
+              <a:rPr lang="en-US" sz="2400" dirty="0">
+                <a:solidFill>
+                  <a:schemeClr val="tx1">
+                    <a:lumMod val="75000"/>
+                    <a:lumOff val="25000"/>
+                  </a:schemeClr>
+                </a:solidFill>
+                <a:latin typeface="+mj-lt"/>
+              </a:rPr>
+              <a:t>Data for Marketing Enterprise</a:t>
+            </a:r>
+          </a:p>
+        </p:txBody>
+      </p:sp>
+    </p:spTree>
+    <p:extLst>
+      <p:ext uri="{BB962C8B-B14F-4D97-AF65-F5344CB8AC3E}">
+        <p14:creationId xmlns:p14="http://schemas.microsoft.com/office/powerpoint/2010/main" val="2738665729"/>
+      </p:ext>
+    </p:extLst>
+  </p:cSld>
+  <p:clrMapOvr>
+    <a:masterClrMapping/>
+  </p:clrMapOvr>
+</p:sld>
+</file>
+
+<file path=ppt/slides/slide11.xml><?xml version="1.0" encoding="utf-8"?>
+<p:sld xmlns:a="http://schemas.openxmlformats.org/drawingml/2006/main" xmlns:r="http://schemas.openxmlformats.org/officeDocument/2006/relationships" xmlns:p="http://schemas.openxmlformats.org/presentationml/2006/main">
+  <p:cSld>
+    <p:spTree>
+      <p:nvGrpSpPr>
+        <p:cNvPr id="1" name=""/>
+        <p:cNvGrpSpPr/>
+        <p:nvPr/>
+      </p:nvGrpSpPr>
+      <p:grpSpPr>
+        <a:xfrm>
+          <a:off x="0" y="0"/>
+          <a:ext cx="0" cy="0"/>
+          <a:chOff x="0" y="0"/>
+          <a:chExt cx="0" cy="0"/>
+        </a:xfrm>
+      </p:grpSpPr>
+      <p:pic>
+        <p:nvPicPr>
+          <p:cNvPr id="3" name="Picture 2" descr="A screenshot of a cell phone&#10;&#10;Description automatically generated">
+            <a:extLst>
+              <a:ext uri="{FF2B5EF4-FFF2-40B4-BE49-F238E27FC236}">
+                <a16:creationId xmlns:a16="http://schemas.microsoft.com/office/drawing/2014/main" id="{26166C98-8E1D-DF4F-B0C1-9DA1162EF3B4}"/>
+              </a:ext>
+            </a:extLst>
+          </p:cNvPr>
+          <p:cNvPicPr>
+            <a:picLocks noChangeAspect="1"/>
+          </p:cNvPicPr>
+          <p:nvPr/>
+        </p:nvPicPr>
+        <p:blipFill>
+          <a:blip r:embed="rId2"/>
+          <a:stretch>
+            <a:fillRect/>
+          </a:stretch>
+        </p:blipFill>
+        <p:spPr>
+          <a:xfrm>
+            <a:off x="7450344" y="120432"/>
+            <a:ext cx="3170220" cy="6217920"/>
+          </a:xfrm>
+          <a:prstGeom prst="rect">
+            <a:avLst/>
+          </a:prstGeom>
+        </p:spPr>
+      </p:pic>
+      <p:sp>
+        <p:nvSpPr>
+          <p:cNvPr id="2" name="TextBox 1">
+            <a:extLst>
+              <a:ext uri="{FF2B5EF4-FFF2-40B4-BE49-F238E27FC236}">
+                <a16:creationId xmlns:a16="http://schemas.microsoft.com/office/drawing/2014/main" id="{CFCE664E-5240-7C44-907F-998E7E593BEB}"/>
+              </a:ext>
+            </a:extLst>
+          </p:cNvPr>
+          <p:cNvSpPr txBox="1"/>
+          <p:nvPr/>
+        </p:nvSpPr>
+        <p:spPr>
+          <a:xfrm>
+            <a:off x="659757" y="2604304"/>
+            <a:ext cx="3993266" cy="769441"/>
+          </a:xfrm>
+          <a:prstGeom prst="rect">
+            <a:avLst/>
+          </a:prstGeom>
+          <a:noFill/>
+        </p:spPr>
+        <p:txBody>
+          <a:bodyPr wrap="square" rtlCol="0">
+            <a:spAutoFit/>
+          </a:bodyPr>
+          <a:lstStyle/>
+          <a:p>
+            <a:r>
+              <a:rPr lang="en-US" sz="4400" dirty="0">
+                <a:solidFill>
+                  <a:schemeClr val="tx1">
+                    <a:lumMod val="75000"/>
+                    <a:lumOff val="25000"/>
+                  </a:schemeClr>
+                </a:solidFill>
+                <a:latin typeface="+mj-lt"/>
+              </a:rPr>
+              <a:t>SMS Updates </a:t>
+            </a:r>
+          </a:p>
+        </p:txBody>
+      </p:sp>
+      <p:cxnSp>
+        <p:nvCxnSpPr>
+          <p:cNvPr id="5" name="Straight Arrow Connector 4">
+            <a:extLst>
+              <a:ext uri="{FF2B5EF4-FFF2-40B4-BE49-F238E27FC236}">
+                <a16:creationId xmlns:a16="http://schemas.microsoft.com/office/drawing/2014/main" id="{6EC9FBFD-4011-5641-BCCA-05EAE326974B}"/>
+              </a:ext>
+            </a:extLst>
+          </p:cNvPr>
+          <p:cNvCxnSpPr>
+            <a:stCxn id="2" idx="3"/>
+          </p:cNvCxnSpPr>
+          <p:nvPr/>
+        </p:nvCxnSpPr>
+        <p:spPr>
+          <a:xfrm flipV="1">
+            <a:off x="4653023" y="2974694"/>
+            <a:ext cx="2465407" cy="14331"/>
+          </a:xfrm>
+          <a:prstGeom prst="straightConnector1">
+            <a:avLst/>
+          </a:prstGeom>
+          <a:ln>
+            <a:tailEnd type="triangle"/>
+          </a:ln>
+        </p:spPr>
+        <p:style>
+          <a:lnRef idx="1">
+            <a:schemeClr val="accent1"/>
+          </a:lnRef>
+          <a:fillRef idx="0">
+            <a:schemeClr val="accent1"/>
+          </a:fillRef>
+          <a:effectRef idx="0">
+            <a:schemeClr val="accent1"/>
+          </a:effectRef>
+          <a:fontRef idx="minor">
+            <a:schemeClr val="tx1"/>
+          </a:fontRef>
+        </p:style>
+      </p:cxnSp>
+    </p:spTree>
+    <p:extLst>
+      <p:ext uri="{BB962C8B-B14F-4D97-AF65-F5344CB8AC3E}">
+        <p14:creationId xmlns:p14="http://schemas.microsoft.com/office/powerpoint/2010/main" val="1702595501"/>
+      </p:ext>
+    </p:extLst>
+  </p:cSld>
+  <p:clrMapOvr>
+    <a:masterClrMapping/>
+  </p:clrMapOvr>
+</p:sld>
+</file>
+
+<file path=ppt/slides/slide12.xml><?xml version="1.0" encoding="utf-8"?>
+<p:sld xmlns:a="http://schemas.openxmlformats.org/drawingml/2006/main" xmlns:r="http://schemas.openxmlformats.org/officeDocument/2006/relationships" xmlns:p="http://schemas.openxmlformats.org/presentationml/2006/main">
+  <p:cSld>
+    <p:spTree>
+      <p:nvGrpSpPr>
+        <p:cNvPr id="1" name=""/>
+        <p:cNvGrpSpPr/>
+        <p:nvPr/>
+      </p:nvGrpSpPr>
+      <p:grpSpPr>
+        <a:xfrm>
+          <a:off x="0" y="0"/>
+          <a:ext cx="0" cy="0"/>
+          <a:chOff x="0" y="0"/>
+          <a:chExt cx="0" cy="0"/>
+        </a:xfrm>
+      </p:grpSpPr>
       <p:sp>
         <p:nvSpPr>
           <p:cNvPr id="4" name="TextBox 3">
@@ -4227,6 +4476,36 @@
           </a:p>
         </p:txBody>
       </p:sp>
+      <p:pic>
+        <p:nvPicPr>
+          <p:cNvPr id="5" name="Picture 4" descr="A close up of a newspaper&#10;&#10;Description automatically generated">
+            <a:extLst>
+              <a:ext uri="{FF2B5EF4-FFF2-40B4-BE49-F238E27FC236}">
+                <a16:creationId xmlns:a16="http://schemas.microsoft.com/office/drawing/2014/main" id="{10B0E1E3-C14E-4044-9912-CA8BEA04E17F}"/>
+              </a:ext>
+            </a:extLst>
+          </p:cNvPr>
+          <p:cNvPicPr>
+            <a:picLocks noChangeAspect="1"/>
+          </p:cNvPicPr>
+          <p:nvPr/>
+        </p:nvPicPr>
+        <p:blipFill>
+          <a:blip r:embed="rId2"/>
+          <a:stretch>
+            <a:fillRect/>
+          </a:stretch>
+        </p:blipFill>
+        <p:spPr>
+          <a:xfrm>
+            <a:off x="4195821" y="0"/>
+            <a:ext cx="7782049" cy="6858000"/>
+          </a:xfrm>
+          <a:prstGeom prst="rect">
+            <a:avLst/>
+          </a:prstGeom>
+        </p:spPr>
+      </p:pic>
     </p:spTree>
     <p:extLst>
       <p:ext uri="{BB962C8B-B14F-4D97-AF65-F5344CB8AC3E}">
@@ -4308,7 +4587,9 @@
           </a:xfrm>
         </p:spPr>
         <p:txBody>
-          <a:bodyPr/>
+          <a:bodyPr>
+            <a:normAutofit/>
+          </a:bodyPr>
           <a:lstStyle/>
           <a:p>
             <a:pPr>
@@ -4317,7 +4598,7 @@
             </a:pPr>
             <a:r>
               <a:rPr lang="en-US" dirty="0"/>
-              <a:t>To design a pharmaceutical application addressing the ever-ricing prices of medicines in the        market</a:t>
+              <a:t> To design a system that can address the issue of ever-rising prices of medicines in USA</a:t>
             </a:r>
           </a:p>
           <a:p>
@@ -4327,7 +4608,11 @@
             </a:pPr>
             <a:r>
               <a:rPr lang="en-US" dirty="0"/>
-              <a:t>The application provides an alternative formulation to selected drugs at a cheaper rate because it eliminates the various middle-man involved between the manufacturing and retailing process of medicines</a:t>
+              <a:t> The main reason due to which the medicines are priced at such high rates is </a:t>
+            </a:r>
+            <a:r>
+              <a:rPr lang="en-US" b="1" dirty="0"/>
+              <a:t>monopoly pricing</a:t>
             </a:r>
           </a:p>
           <a:p>
@@ -4337,7 +4622,7 @@
             </a:pPr>
             <a:r>
               <a:rPr lang="en-US" dirty="0"/>
-              <a:t>To provide a platform to doctors where they can raise a ‘research request’ to the compound pharmacy enterprise requesting to device a suitable formulation for a medicine</a:t>
+              <a:t> The U.S. government grants pharmaceutical companies a monopoly on brand-name drugs</a:t>
             </a:r>
           </a:p>
           <a:p>
@@ -4347,8 +4632,14 @@
             </a:pPr>
             <a:r>
               <a:rPr lang="en-US" dirty="0"/>
-              <a:t>To provide a platform to doctors and patients where they can order a cheaper formulation of the existing medicine from the list</a:t>
-            </a:r>
+              <a:t> But monopolies are only causing the prices to rise excessively</a:t>
+            </a:r>
+          </a:p>
+          <a:p>
+            <a:pPr marL="0" indent="0">
+              <a:buNone/>
+            </a:pPr>
+            <a:endParaRPr lang="en-US" dirty="0"/>
           </a:p>
         </p:txBody>
       </p:sp>
@@ -4387,7 +4678,7 @@
           <p:cNvPr id="2" name="Title 1">
             <a:extLst>
               <a:ext uri="{FF2B5EF4-FFF2-40B4-BE49-F238E27FC236}">
-                <a16:creationId xmlns:a16="http://schemas.microsoft.com/office/drawing/2014/main" id="{2405D88F-64C7-2447-9A6A-B9C83071F8BD}"/>
+                <a16:creationId xmlns:a16="http://schemas.microsoft.com/office/drawing/2014/main" id="{5204539D-7720-9A44-8371-2ADDBFCABC43}"/>
               </a:ext>
             </a:extLst>
           </p:cNvPr>
@@ -4405,7 +4696,7 @@
           <a:p>
             <a:r>
               <a:rPr lang="en-US" dirty="0"/>
-              <a:t>Architecture</a:t>
+              <a:t>Solution</a:t>
             </a:r>
           </a:p>
         </p:txBody>
@@ -4415,7 +4706,7 @@
           <p:cNvPr id="3" name="Content Placeholder 2">
             <a:extLst>
               <a:ext uri="{FF2B5EF4-FFF2-40B4-BE49-F238E27FC236}">
-                <a16:creationId xmlns:a16="http://schemas.microsoft.com/office/drawing/2014/main" id="{B84E16C4-9C82-B647-9FB2-204AC67C1F8A}"/>
+                <a16:creationId xmlns:a16="http://schemas.microsoft.com/office/drawing/2014/main" id="{A7FEEEF3-B2D7-F142-B3E2-341FD456C10F}"/>
               </a:ext>
             </a:extLst>
           </p:cNvPr>
@@ -4428,154 +4719,89 @@
         </p:nvSpPr>
         <p:spPr>
           <a:xfrm>
-            <a:off x="1097280" y="2108201"/>
-            <a:ext cx="10058400" cy="4172856"/>
+            <a:off x="1178303" y="1643605"/>
+            <a:ext cx="10058400" cy="3889821"/>
           </a:xfrm>
         </p:spPr>
         <p:txBody>
           <a:bodyPr>
-            <a:normAutofit fontScale="92500" lnSpcReduction="20000"/>
+            <a:normAutofit fontScale="92500" lnSpcReduction="10000"/>
           </a:bodyPr>
           <a:lstStyle/>
           <a:p>
-            <a:pPr>
-              <a:lnSpc>
-                <a:spcPct val="100000"/>
-              </a:lnSpc>
-            </a:pPr>
-            <a:r>
-              <a:rPr lang="en-US" dirty="0"/>
-              <a:t>1. Ecosystem – Consists of a Network</a:t>
-            </a:r>
-          </a:p>
-          <a:p>
-            <a:pPr>
-              <a:lnSpc>
-                <a:spcPct val="100000"/>
-              </a:lnSpc>
-            </a:pPr>
-            <a:r>
-              <a:rPr lang="en-US" dirty="0"/>
-              <a:t>2. Network – Consists of two enterprise</a:t>
-            </a:r>
-          </a:p>
-          <a:p>
-            <a:pPr lvl="1"/>
-            <a:r>
-              <a:rPr lang="en-US" sz="1600" dirty="0"/>
-              <a:t>Compound Pharmacy Enterprise: Manages manufacturing/research, inspection and delivery of formulation</a:t>
-            </a:r>
-          </a:p>
-          <a:p>
-            <a:pPr lvl="1"/>
-            <a:r>
-              <a:rPr lang="en-US" sz="1600" dirty="0"/>
-              <a:t>Marketing Enterprise: Manages advertising of newly accepted formulations and adds doctors and patients for requesting manufacturing/research</a:t>
-            </a:r>
-          </a:p>
-          <a:p>
-            <a:pPr>
-              <a:lnSpc>
-                <a:spcPct val="100000"/>
-              </a:lnSpc>
-            </a:pPr>
-            <a:r>
-              <a:rPr lang="en-US" sz="1800" dirty="0"/>
-              <a:t>3. Compound Pharmacy Enterprise – Consists of 4 organizations</a:t>
-            </a:r>
-          </a:p>
-          <a:p>
-            <a:pPr lvl="1"/>
-            <a:r>
-              <a:rPr lang="en-US" sz="1600" dirty="0"/>
-              <a:t>Manufacture Organization</a:t>
-            </a:r>
-          </a:p>
-          <a:p>
-            <a:pPr lvl="1"/>
-            <a:r>
-              <a:rPr lang="en-US" sz="1600" dirty="0"/>
-              <a:t>Research Organization</a:t>
-            </a:r>
-          </a:p>
-          <a:p>
-            <a:pPr lvl="1"/>
-            <a:r>
-              <a:rPr lang="en-US" sz="1600" dirty="0"/>
-              <a:t>Inspection Organization</a:t>
-            </a:r>
-          </a:p>
-          <a:p>
-            <a:pPr lvl="1"/>
-            <a:r>
-              <a:rPr lang="en-US" sz="1600" dirty="0"/>
-              <a:t>Delivery Organization</a:t>
-            </a:r>
-          </a:p>
-          <a:p>
-            <a:pPr>
-              <a:lnSpc>
-                <a:spcPct val="100000"/>
-              </a:lnSpc>
-            </a:pPr>
-            <a:r>
-              <a:rPr lang="en-US" sz="1800" dirty="0"/>
-              <a:t>4. Marketing Enterprise – Consists of 3 organizations</a:t>
-            </a:r>
-          </a:p>
-          <a:p>
-            <a:pPr lvl="1"/>
-            <a:r>
-              <a:rPr lang="en-US" sz="1600" dirty="0"/>
-              <a:t>Advertising Organization</a:t>
-            </a:r>
-          </a:p>
-          <a:p>
-            <a:pPr lvl="1"/>
-            <a:r>
-              <a:rPr lang="en-US" sz="1600" dirty="0"/>
-              <a:t>Doctor Organization</a:t>
-            </a:r>
-          </a:p>
-          <a:p>
-            <a:pPr lvl="1"/>
-            <a:r>
-              <a:rPr lang="en-US" sz="1600" dirty="0"/>
-              <a:t>Patient Organization</a:t>
-            </a:r>
-          </a:p>
-          <a:p>
-            <a:pPr>
-              <a:lnSpc>
-                <a:spcPct val="100000"/>
-              </a:lnSpc>
-            </a:pPr>
-            <a:endParaRPr lang="en-US" sz="1800" dirty="0"/>
-          </a:p>
-          <a:p>
-            <a:pPr marL="384048" lvl="2" indent="0">
+            <a:pPr marL="0" indent="0">
               <a:buNone/>
             </a:pPr>
-            <a:endParaRPr lang="en-US" sz="1600" dirty="0"/>
-          </a:p>
-          <a:p>
-            <a:pPr marL="384048" lvl="2" indent="0">
-              <a:buNone/>
+            <a:endParaRPr lang="en-US" dirty="0"/>
+          </a:p>
+          <a:p>
+            <a:pPr>
+              <a:buFont typeface="Wingdings" pitchFamily="2" charset="2"/>
+              <a:buChar char="ü"/>
             </a:pPr>
-            <a:endParaRPr lang="en-US" sz="1600" dirty="0"/>
-          </a:p>
-          <a:p>
-            <a:pPr marL="384048" lvl="2" indent="0">
-              <a:buNone/>
+            <a:r>
+              <a:rPr lang="en-US" dirty="0"/>
+              <a:t> Introduce a </a:t>
+            </a:r>
+            <a:r>
+              <a:rPr lang="en-US" b="1" dirty="0"/>
+              <a:t>Compounded Pharmacy Enterprise </a:t>
+            </a:r>
+            <a:r>
+              <a:rPr lang="en-US" dirty="0"/>
+              <a:t>which will replace the role of drug manufacturers for consumers</a:t>
+            </a:r>
+          </a:p>
+          <a:p>
+            <a:pPr>
+              <a:buFont typeface="Wingdings" pitchFamily="2" charset="2"/>
+              <a:buChar char="ü"/>
             </a:pPr>
-            <a:endParaRPr lang="en-US" sz="1600" dirty="0"/>
+            <a:r>
+              <a:rPr lang="en-US" b="1" dirty="0"/>
+              <a:t> </a:t>
+            </a:r>
+            <a:r>
+              <a:rPr lang="en-US" dirty="0"/>
+              <a:t>Compounded Pharmacy Enterprise bridges the gap between drug manufacturers and consumers.</a:t>
+            </a:r>
+          </a:p>
+          <a:p>
+            <a:pPr>
+              <a:buFont typeface="Wingdings" pitchFamily="2" charset="2"/>
+              <a:buChar char="ü"/>
+            </a:pPr>
+            <a:r>
+              <a:rPr lang="en-US" dirty="0"/>
+              <a:t> The traditional role of compounding pharmacies is to make drugs prescribed by doctors for specific need of the patients. These needs are generally not met by commercially available drugs</a:t>
+            </a:r>
+          </a:p>
+          <a:p>
+            <a:pPr>
+              <a:buFont typeface="Wingdings" pitchFamily="2" charset="2"/>
+              <a:buChar char="ü"/>
+            </a:pPr>
+            <a:r>
+              <a:rPr lang="en-US" dirty="0"/>
+              <a:t> Extend the role of Compound Pharmacy to manufacture alternative drug formulations for doctors and patients at much lower cost than the commercial manufacturers</a:t>
+            </a:r>
+          </a:p>
+          <a:p>
+            <a:pPr>
+              <a:buFont typeface="Wingdings" pitchFamily="2" charset="2"/>
+              <a:buChar char="ü"/>
+            </a:pPr>
+            <a:r>
+              <a:rPr lang="en-US" dirty="0"/>
+              <a:t> Provide a platform to doctors where they can raise a ‘research request’ to the compound pharmacy enterprise requesting to devise a suitable formulation for a medicine</a:t>
+            </a:r>
           </a:p>
         </p:txBody>
       </p:sp>
     </p:spTree>
     <p:extLst>
       <p:ext uri="{BB962C8B-B14F-4D97-AF65-F5344CB8AC3E}">
-        <p14:creationId xmlns:p14="http://schemas.microsoft.com/office/powerpoint/2010/main" val="3330474925"/>
+        <p14:creationId xmlns:p14="http://schemas.microsoft.com/office/powerpoint/2010/main" val="350095311"/>
       </p:ext>
     </p:extLst>
   </p:cSld>
@@ -4602,40 +4828,993 @@
           <a:chExt cx="0" cy="0"/>
         </a:xfrm>
       </p:grpSpPr>
-      <p:pic>
-        <p:nvPicPr>
-          <p:cNvPr id="3" name="Picture 2" descr="A screenshot of a cell phone&#10;&#10;Description automatically generated">
-            <a:extLst>
-              <a:ext uri="{FF2B5EF4-FFF2-40B4-BE49-F238E27FC236}">
-                <a16:creationId xmlns:a16="http://schemas.microsoft.com/office/drawing/2014/main" id="{B7168E38-0875-4F49-8143-AA73CC1F22C5}"/>
-              </a:ext>
-            </a:extLst>
-          </p:cNvPr>
-          <p:cNvPicPr>
-            <a:picLocks noChangeAspect="1"/>
-          </p:cNvPicPr>
+      <p:sp>
+        <p:nvSpPr>
+          <p:cNvPr id="7" name="Rounded Rectangle 6">
+            <a:extLst>
+              <a:ext uri="{FF2B5EF4-FFF2-40B4-BE49-F238E27FC236}">
+                <a16:creationId xmlns:a16="http://schemas.microsoft.com/office/drawing/2014/main" id="{DD8FDF1F-E3E7-A547-9FE1-D50872CD32A6}"/>
+              </a:ext>
+            </a:extLst>
+          </p:cNvPr>
+          <p:cNvSpPr/>
           <p:nvPr/>
-        </p:nvPicPr>
-        <p:blipFill>
-          <a:blip r:embed="rId2"/>
-          <a:stretch>
-            <a:fillRect/>
-          </a:stretch>
-        </p:blipFill>
-        <p:spPr>
-          <a:xfrm>
-            <a:off x="445113" y="119743"/>
-            <a:ext cx="11370685" cy="6019799"/>
+        </p:nvSpPr>
+        <p:spPr>
+          <a:xfrm>
+            <a:off x="2614640" y="3015343"/>
+            <a:ext cx="7322337" cy="1778794"/>
+          </a:xfrm>
+          <a:prstGeom prst="roundRect">
+            <a:avLst/>
+          </a:prstGeom>
+        </p:spPr>
+        <p:style>
+          <a:lnRef idx="2">
+            <a:schemeClr val="accent1">
+              <a:shade val="50000"/>
+            </a:schemeClr>
+          </a:lnRef>
+          <a:fillRef idx="1">
+            <a:schemeClr val="accent1"/>
+          </a:fillRef>
+          <a:effectRef idx="0">
+            <a:schemeClr val="accent1"/>
+          </a:effectRef>
+          <a:fontRef idx="minor">
+            <a:schemeClr val="lt1"/>
+          </a:fontRef>
+        </p:style>
+        <p:txBody>
+          <a:bodyPr rtlCol="0" anchor="ctr"/>
+          <a:lstStyle/>
+          <a:p>
+            <a:pPr algn="ctr"/>
+            <a:endParaRPr lang="en-US"/>
+          </a:p>
+        </p:txBody>
+      </p:sp>
+      <p:sp>
+        <p:nvSpPr>
+          <p:cNvPr id="2" name="Title 1">
+            <a:extLst>
+              <a:ext uri="{FF2B5EF4-FFF2-40B4-BE49-F238E27FC236}">
+                <a16:creationId xmlns:a16="http://schemas.microsoft.com/office/drawing/2014/main" id="{5204539D-7720-9A44-8371-2ADDBFCABC43}"/>
+              </a:ext>
+            </a:extLst>
+          </p:cNvPr>
+          <p:cNvSpPr>
+            <a:spLocks noGrp="1"/>
+          </p:cNvSpPr>
+          <p:nvPr>
+            <p:ph type="title"/>
+          </p:nvPr>
+        </p:nvSpPr>
+        <p:spPr/>
+        <p:txBody>
+          <a:bodyPr/>
+          <a:lstStyle/>
+          <a:p>
+            <a:r>
+              <a:rPr lang="en-US" dirty="0"/>
+              <a:t>Work Flow</a:t>
+            </a:r>
+          </a:p>
+        </p:txBody>
+      </p:sp>
+      <p:sp>
+        <p:nvSpPr>
+          <p:cNvPr id="5" name="Rounded Rectangle 4">
+            <a:extLst>
+              <a:ext uri="{FF2B5EF4-FFF2-40B4-BE49-F238E27FC236}">
+                <a16:creationId xmlns:a16="http://schemas.microsoft.com/office/drawing/2014/main" id="{8E8FE0B1-13D8-A446-A7DB-5991F900916D}"/>
+              </a:ext>
+            </a:extLst>
+          </p:cNvPr>
+          <p:cNvSpPr/>
+          <p:nvPr/>
+        </p:nvSpPr>
+        <p:spPr>
+          <a:xfrm>
+            <a:off x="332927" y="2702209"/>
+            <a:ext cx="1831658" cy="985838"/>
+          </a:xfrm>
+          <a:prstGeom prst="roundRect">
+            <a:avLst/>
+          </a:prstGeom>
+        </p:spPr>
+        <p:style>
+          <a:lnRef idx="2">
+            <a:schemeClr val="accent1">
+              <a:shade val="50000"/>
+            </a:schemeClr>
+          </a:lnRef>
+          <a:fillRef idx="1">
+            <a:schemeClr val="accent1"/>
+          </a:fillRef>
+          <a:effectRef idx="0">
+            <a:schemeClr val="accent1"/>
+          </a:effectRef>
+          <a:fontRef idx="minor">
+            <a:schemeClr val="lt1"/>
+          </a:fontRef>
+        </p:style>
+        <p:txBody>
+          <a:bodyPr rtlCol="0" anchor="ctr"/>
+          <a:lstStyle/>
+          <a:p>
+            <a:pPr algn="ctr"/>
+            <a:r>
+              <a:rPr lang="en-US" dirty="0"/>
+              <a:t>Doctor</a:t>
+            </a:r>
+          </a:p>
+        </p:txBody>
+      </p:sp>
+      <p:sp>
+        <p:nvSpPr>
+          <p:cNvPr id="6" name="Rounded Rectangle 5">
+            <a:extLst>
+              <a:ext uri="{FF2B5EF4-FFF2-40B4-BE49-F238E27FC236}">
+                <a16:creationId xmlns:a16="http://schemas.microsoft.com/office/drawing/2014/main" id="{3CA11195-D925-1E45-A8A7-0E44F60C4C7B}"/>
+              </a:ext>
+            </a:extLst>
+          </p:cNvPr>
+          <p:cNvSpPr/>
+          <p:nvPr/>
+        </p:nvSpPr>
+        <p:spPr>
+          <a:xfrm>
+            <a:off x="332927" y="4288122"/>
+            <a:ext cx="1831658" cy="985838"/>
+          </a:xfrm>
+          <a:prstGeom prst="roundRect">
+            <a:avLst/>
+          </a:prstGeom>
+        </p:spPr>
+        <p:style>
+          <a:lnRef idx="2">
+            <a:schemeClr val="accent1">
+              <a:shade val="50000"/>
+            </a:schemeClr>
+          </a:lnRef>
+          <a:fillRef idx="1">
+            <a:schemeClr val="accent1"/>
+          </a:fillRef>
+          <a:effectRef idx="0">
+            <a:schemeClr val="accent1"/>
+          </a:effectRef>
+          <a:fontRef idx="minor">
+            <a:schemeClr val="lt1"/>
+          </a:fontRef>
+        </p:style>
+        <p:txBody>
+          <a:bodyPr rtlCol="0" anchor="ctr"/>
+          <a:lstStyle/>
+          <a:p>
+            <a:pPr algn="ctr"/>
+            <a:r>
+              <a:rPr lang="en-US" dirty="0"/>
+              <a:t>Patient</a:t>
+            </a:r>
+          </a:p>
+        </p:txBody>
+      </p:sp>
+      <p:sp>
+        <p:nvSpPr>
+          <p:cNvPr id="8" name="Rectangle 7">
+            <a:extLst>
+              <a:ext uri="{FF2B5EF4-FFF2-40B4-BE49-F238E27FC236}">
+                <a16:creationId xmlns:a16="http://schemas.microsoft.com/office/drawing/2014/main" id="{96964259-DCC3-184F-8D68-B2FC960F2E3E}"/>
+              </a:ext>
+            </a:extLst>
+          </p:cNvPr>
+          <p:cNvSpPr/>
+          <p:nvPr/>
+        </p:nvSpPr>
+        <p:spPr>
+          <a:xfrm>
+            <a:off x="3207576" y="3418965"/>
+            <a:ext cx="1357311" cy="928687"/>
           </a:xfrm>
           <a:prstGeom prst="rect">
             <a:avLst/>
           </a:prstGeom>
-        </p:spPr>
-      </p:pic>
+          <a:solidFill>
+            <a:schemeClr val="accent6">
+              <a:lumMod val="60000"/>
+              <a:lumOff val="40000"/>
+            </a:schemeClr>
+          </a:solidFill>
+        </p:spPr>
+        <p:style>
+          <a:lnRef idx="2">
+            <a:schemeClr val="accent1">
+              <a:shade val="50000"/>
+            </a:schemeClr>
+          </a:lnRef>
+          <a:fillRef idx="1">
+            <a:schemeClr val="accent1"/>
+          </a:fillRef>
+          <a:effectRef idx="0">
+            <a:schemeClr val="accent1"/>
+          </a:effectRef>
+          <a:fontRef idx="minor">
+            <a:schemeClr val="lt1"/>
+          </a:fontRef>
+        </p:style>
+        <p:txBody>
+          <a:bodyPr rtlCol="0" anchor="ctr"/>
+          <a:lstStyle/>
+          <a:p>
+            <a:pPr algn="ctr"/>
+            <a:r>
+              <a:rPr lang="en-US" sz="1600" dirty="0"/>
+              <a:t>Manufacture</a:t>
+            </a:r>
+            <a:endParaRPr lang="en-US" sz="1050" dirty="0"/>
+          </a:p>
+        </p:txBody>
+      </p:sp>
+      <p:sp>
+        <p:nvSpPr>
+          <p:cNvPr id="9" name="Rectangle 8">
+            <a:extLst>
+              <a:ext uri="{FF2B5EF4-FFF2-40B4-BE49-F238E27FC236}">
+                <a16:creationId xmlns:a16="http://schemas.microsoft.com/office/drawing/2014/main" id="{B90906A4-AABB-1440-823C-AF37B4783F79}"/>
+              </a:ext>
+            </a:extLst>
+          </p:cNvPr>
+          <p:cNvSpPr/>
+          <p:nvPr/>
+        </p:nvSpPr>
+        <p:spPr>
+          <a:xfrm>
+            <a:off x="4782130" y="3429000"/>
+            <a:ext cx="1357310" cy="928686"/>
+          </a:xfrm>
+          <a:prstGeom prst="rect">
+            <a:avLst/>
+          </a:prstGeom>
+          <a:solidFill>
+            <a:schemeClr val="accent6">
+              <a:lumMod val="60000"/>
+              <a:lumOff val="40000"/>
+            </a:schemeClr>
+          </a:solidFill>
+        </p:spPr>
+        <p:style>
+          <a:lnRef idx="2">
+            <a:schemeClr val="accent1">
+              <a:shade val="50000"/>
+            </a:schemeClr>
+          </a:lnRef>
+          <a:fillRef idx="1">
+            <a:schemeClr val="accent1"/>
+          </a:fillRef>
+          <a:effectRef idx="0">
+            <a:schemeClr val="accent1"/>
+          </a:effectRef>
+          <a:fontRef idx="minor">
+            <a:schemeClr val="lt1"/>
+          </a:fontRef>
+        </p:style>
+        <p:txBody>
+          <a:bodyPr rtlCol="0" anchor="ctr"/>
+          <a:lstStyle/>
+          <a:p>
+            <a:pPr algn="ctr"/>
+            <a:r>
+              <a:rPr lang="en-US" sz="1600" dirty="0"/>
+              <a:t>Research</a:t>
+            </a:r>
+          </a:p>
+        </p:txBody>
+      </p:sp>
+      <p:sp>
+        <p:nvSpPr>
+          <p:cNvPr id="10" name="Rectangle 9">
+            <a:extLst>
+              <a:ext uri="{FF2B5EF4-FFF2-40B4-BE49-F238E27FC236}">
+                <a16:creationId xmlns:a16="http://schemas.microsoft.com/office/drawing/2014/main" id="{72E17286-0B79-7040-9079-789EFCF3ACDF}"/>
+              </a:ext>
+            </a:extLst>
+          </p:cNvPr>
+          <p:cNvSpPr/>
+          <p:nvPr/>
+        </p:nvSpPr>
+        <p:spPr>
+          <a:xfrm>
+            <a:off x="6377610" y="3428490"/>
+            <a:ext cx="1357310" cy="919161"/>
+          </a:xfrm>
+          <a:prstGeom prst="rect">
+            <a:avLst/>
+          </a:prstGeom>
+          <a:solidFill>
+            <a:schemeClr val="accent6">
+              <a:lumMod val="60000"/>
+              <a:lumOff val="40000"/>
+            </a:schemeClr>
+          </a:solidFill>
+        </p:spPr>
+        <p:style>
+          <a:lnRef idx="2">
+            <a:schemeClr val="accent1">
+              <a:shade val="50000"/>
+            </a:schemeClr>
+          </a:lnRef>
+          <a:fillRef idx="1">
+            <a:schemeClr val="accent1"/>
+          </a:fillRef>
+          <a:effectRef idx="0">
+            <a:schemeClr val="accent1"/>
+          </a:effectRef>
+          <a:fontRef idx="minor">
+            <a:schemeClr val="lt1"/>
+          </a:fontRef>
+        </p:style>
+        <p:txBody>
+          <a:bodyPr rtlCol="0" anchor="ctr"/>
+          <a:lstStyle/>
+          <a:p>
+            <a:pPr algn="ctr"/>
+            <a:r>
+              <a:rPr lang="en-US" sz="1600" dirty="0"/>
+              <a:t>Inspect</a:t>
+            </a:r>
+          </a:p>
+        </p:txBody>
+      </p:sp>
+      <p:sp>
+        <p:nvSpPr>
+          <p:cNvPr id="11" name="Rectangle 10">
+            <a:extLst>
+              <a:ext uri="{FF2B5EF4-FFF2-40B4-BE49-F238E27FC236}">
+                <a16:creationId xmlns:a16="http://schemas.microsoft.com/office/drawing/2014/main" id="{1A72E32A-839D-5D49-8F1F-CD635F2BA392}"/>
+              </a:ext>
+            </a:extLst>
+          </p:cNvPr>
+          <p:cNvSpPr/>
+          <p:nvPr/>
+        </p:nvSpPr>
+        <p:spPr>
+          <a:xfrm>
+            <a:off x="8041535" y="3428490"/>
+            <a:ext cx="1343018" cy="919160"/>
+          </a:xfrm>
+          <a:prstGeom prst="rect">
+            <a:avLst/>
+          </a:prstGeom>
+          <a:solidFill>
+            <a:schemeClr val="accent6">
+              <a:lumMod val="60000"/>
+              <a:lumOff val="40000"/>
+            </a:schemeClr>
+          </a:solidFill>
+        </p:spPr>
+        <p:style>
+          <a:lnRef idx="2">
+            <a:schemeClr val="accent1">
+              <a:shade val="50000"/>
+            </a:schemeClr>
+          </a:lnRef>
+          <a:fillRef idx="1">
+            <a:schemeClr val="accent1"/>
+          </a:fillRef>
+          <a:effectRef idx="0">
+            <a:schemeClr val="accent1"/>
+          </a:effectRef>
+          <a:fontRef idx="minor">
+            <a:schemeClr val="lt1"/>
+          </a:fontRef>
+        </p:style>
+        <p:txBody>
+          <a:bodyPr rtlCol="0" anchor="ctr"/>
+          <a:lstStyle/>
+          <a:p>
+            <a:pPr algn="ctr"/>
+            <a:r>
+              <a:rPr lang="en-US" sz="1600" dirty="0"/>
+              <a:t>Deliver</a:t>
+            </a:r>
+          </a:p>
+        </p:txBody>
+      </p:sp>
+      <p:sp>
+        <p:nvSpPr>
+          <p:cNvPr id="12" name="Rounded Rectangle 11">
+            <a:extLst>
+              <a:ext uri="{FF2B5EF4-FFF2-40B4-BE49-F238E27FC236}">
+                <a16:creationId xmlns:a16="http://schemas.microsoft.com/office/drawing/2014/main" id="{D50FD169-52C4-8A4A-B41D-2480E89E441E}"/>
+              </a:ext>
+            </a:extLst>
+          </p:cNvPr>
+          <p:cNvSpPr/>
+          <p:nvPr/>
+        </p:nvSpPr>
+        <p:spPr>
+          <a:xfrm>
+            <a:off x="10175147" y="3383246"/>
+            <a:ext cx="1831658" cy="985838"/>
+          </a:xfrm>
+          <a:prstGeom prst="roundRect">
+            <a:avLst/>
+          </a:prstGeom>
+        </p:spPr>
+        <p:style>
+          <a:lnRef idx="2">
+            <a:schemeClr val="accent1">
+              <a:shade val="50000"/>
+            </a:schemeClr>
+          </a:lnRef>
+          <a:fillRef idx="1">
+            <a:schemeClr val="accent1"/>
+          </a:fillRef>
+          <a:effectRef idx="0">
+            <a:schemeClr val="accent1"/>
+          </a:effectRef>
+          <a:fontRef idx="minor">
+            <a:schemeClr val="lt1"/>
+          </a:fontRef>
+        </p:style>
+        <p:txBody>
+          <a:bodyPr rtlCol="0" anchor="ctr"/>
+          <a:lstStyle/>
+          <a:p>
+            <a:pPr algn="ctr"/>
+            <a:r>
+              <a:rPr lang="en-US" dirty="0"/>
+              <a:t>Advertisement</a:t>
+            </a:r>
+          </a:p>
+        </p:txBody>
+      </p:sp>
+      <p:cxnSp>
+        <p:nvCxnSpPr>
+          <p:cNvPr id="14" name="Straight Arrow Connector 13">
+            <a:extLst>
+              <a:ext uri="{FF2B5EF4-FFF2-40B4-BE49-F238E27FC236}">
+                <a16:creationId xmlns:a16="http://schemas.microsoft.com/office/drawing/2014/main" id="{A082571D-36BD-CB41-8782-2787513EDDEA}"/>
+              </a:ext>
+            </a:extLst>
+          </p:cNvPr>
+          <p:cNvCxnSpPr>
+            <a:stCxn id="5" idx="3"/>
+          </p:cNvCxnSpPr>
+          <p:nvPr/>
+        </p:nvCxnSpPr>
+        <p:spPr>
+          <a:xfrm>
+            <a:off x="2164585" y="3195128"/>
+            <a:ext cx="1042991" cy="492919"/>
+          </a:xfrm>
+          <a:prstGeom prst="straightConnector1">
+            <a:avLst/>
+          </a:prstGeom>
+          <a:ln>
+            <a:tailEnd type="triangle"/>
+          </a:ln>
+        </p:spPr>
+        <p:style>
+          <a:lnRef idx="1">
+            <a:schemeClr val="dk1"/>
+          </a:lnRef>
+          <a:fillRef idx="0">
+            <a:schemeClr val="dk1"/>
+          </a:fillRef>
+          <a:effectRef idx="0">
+            <a:schemeClr val="dk1"/>
+          </a:effectRef>
+          <a:fontRef idx="minor">
+            <a:schemeClr val="tx1"/>
+          </a:fontRef>
+        </p:style>
+      </p:cxnSp>
+      <p:cxnSp>
+        <p:nvCxnSpPr>
+          <p:cNvPr id="16" name="Straight Arrow Connector 15">
+            <a:extLst>
+              <a:ext uri="{FF2B5EF4-FFF2-40B4-BE49-F238E27FC236}">
+                <a16:creationId xmlns:a16="http://schemas.microsoft.com/office/drawing/2014/main" id="{AE956972-C916-5942-ABD3-ABD8EA8E4CC5}"/>
+              </a:ext>
+            </a:extLst>
+          </p:cNvPr>
+          <p:cNvCxnSpPr>
+            <a:stCxn id="6" idx="3"/>
+          </p:cNvCxnSpPr>
+          <p:nvPr/>
+        </p:nvCxnSpPr>
+        <p:spPr>
+          <a:xfrm flipV="1">
+            <a:off x="2164585" y="3904740"/>
+            <a:ext cx="1042991" cy="876301"/>
+          </a:xfrm>
+          <a:prstGeom prst="straightConnector1">
+            <a:avLst/>
+          </a:prstGeom>
+          <a:ln>
+            <a:tailEnd type="triangle"/>
+          </a:ln>
+        </p:spPr>
+        <p:style>
+          <a:lnRef idx="1">
+            <a:schemeClr val="dk1"/>
+          </a:lnRef>
+          <a:fillRef idx="0">
+            <a:schemeClr val="dk1"/>
+          </a:fillRef>
+          <a:effectRef idx="0">
+            <a:schemeClr val="dk1"/>
+          </a:effectRef>
+          <a:fontRef idx="minor">
+            <a:schemeClr val="tx1"/>
+          </a:fontRef>
+        </p:style>
+      </p:cxnSp>
+      <p:cxnSp>
+        <p:nvCxnSpPr>
+          <p:cNvPr id="18" name="Elbow Connector 17">
+            <a:extLst>
+              <a:ext uri="{FF2B5EF4-FFF2-40B4-BE49-F238E27FC236}">
+                <a16:creationId xmlns:a16="http://schemas.microsoft.com/office/drawing/2014/main" id="{03486197-E7BB-4A4E-A328-A06AAE2D4273}"/>
+              </a:ext>
+            </a:extLst>
+          </p:cNvPr>
+          <p:cNvCxnSpPr>
+            <a:stCxn id="5" idx="0"/>
+            <a:endCxn id="9" idx="0"/>
+          </p:cNvCxnSpPr>
+          <p:nvPr/>
+        </p:nvCxnSpPr>
+        <p:spPr>
+          <a:xfrm rot="16200000" flipH="1">
+            <a:off x="2991374" y="959590"/>
+            <a:ext cx="726791" cy="4212029"/>
+          </a:xfrm>
+          <a:prstGeom prst="bentConnector3">
+            <a:avLst>
+              <a:gd name="adj1" fmla="val -31453"/>
+            </a:avLst>
+          </a:prstGeom>
+          <a:ln>
+            <a:tailEnd type="triangle"/>
+          </a:ln>
+        </p:spPr>
+        <p:style>
+          <a:lnRef idx="1">
+            <a:schemeClr val="dk1"/>
+          </a:lnRef>
+          <a:fillRef idx="0">
+            <a:schemeClr val="dk1"/>
+          </a:fillRef>
+          <a:effectRef idx="0">
+            <a:schemeClr val="dk1"/>
+          </a:effectRef>
+          <a:fontRef idx="minor">
+            <a:schemeClr val="tx1"/>
+          </a:fontRef>
+        </p:style>
+      </p:cxnSp>
+      <p:cxnSp>
+        <p:nvCxnSpPr>
+          <p:cNvPr id="24" name="Straight Connector 23">
+            <a:extLst>
+              <a:ext uri="{FF2B5EF4-FFF2-40B4-BE49-F238E27FC236}">
+                <a16:creationId xmlns:a16="http://schemas.microsoft.com/office/drawing/2014/main" id="{6A2930A4-038B-634C-9375-DE49D3EF8079}"/>
+              </a:ext>
+            </a:extLst>
+          </p:cNvPr>
+          <p:cNvCxnSpPr>
+            <a:stCxn id="8" idx="2"/>
+          </p:cNvCxnSpPr>
+          <p:nvPr/>
+        </p:nvCxnSpPr>
+        <p:spPr>
+          <a:xfrm flipH="1">
+            <a:off x="3886231" y="4347652"/>
+            <a:ext cx="1" cy="926308"/>
+          </a:xfrm>
+          <a:prstGeom prst="line">
+            <a:avLst/>
+          </a:prstGeom>
+        </p:spPr>
+        <p:style>
+          <a:lnRef idx="1">
+            <a:schemeClr val="dk1"/>
+          </a:lnRef>
+          <a:fillRef idx="0">
+            <a:schemeClr val="dk1"/>
+          </a:fillRef>
+          <a:effectRef idx="0">
+            <a:schemeClr val="dk1"/>
+          </a:effectRef>
+          <a:fontRef idx="minor">
+            <a:schemeClr val="tx1"/>
+          </a:fontRef>
+        </p:style>
+      </p:cxnSp>
+      <p:cxnSp>
+        <p:nvCxnSpPr>
+          <p:cNvPr id="26" name="Straight Connector 25">
+            <a:extLst>
+              <a:ext uri="{FF2B5EF4-FFF2-40B4-BE49-F238E27FC236}">
+                <a16:creationId xmlns:a16="http://schemas.microsoft.com/office/drawing/2014/main" id="{2E83D246-7FA0-534A-99F1-BFB1F5DB6111}"/>
+              </a:ext>
+            </a:extLst>
+          </p:cNvPr>
+          <p:cNvCxnSpPr>
+            <a:cxnSpLocks/>
+          </p:cNvCxnSpPr>
+          <p:nvPr/>
+        </p:nvCxnSpPr>
+        <p:spPr>
+          <a:xfrm>
+            <a:off x="3882656" y="5273960"/>
+            <a:ext cx="3173608" cy="9525"/>
+          </a:xfrm>
+          <a:prstGeom prst="line">
+            <a:avLst/>
+          </a:prstGeom>
+        </p:spPr>
+        <p:style>
+          <a:lnRef idx="1">
+            <a:schemeClr val="dk1"/>
+          </a:lnRef>
+          <a:fillRef idx="0">
+            <a:schemeClr val="dk1"/>
+          </a:fillRef>
+          <a:effectRef idx="0">
+            <a:schemeClr val="dk1"/>
+          </a:effectRef>
+          <a:fontRef idx="minor">
+            <a:schemeClr val="tx1"/>
+          </a:fontRef>
+        </p:style>
+      </p:cxnSp>
+      <p:cxnSp>
+        <p:nvCxnSpPr>
+          <p:cNvPr id="28" name="Straight Arrow Connector 27">
+            <a:extLst>
+              <a:ext uri="{FF2B5EF4-FFF2-40B4-BE49-F238E27FC236}">
+                <a16:creationId xmlns:a16="http://schemas.microsoft.com/office/drawing/2014/main" id="{EC3DB8D0-0BEC-3542-9B99-8EACC7E48DCF}"/>
+              </a:ext>
+            </a:extLst>
+          </p:cNvPr>
+          <p:cNvCxnSpPr>
+            <a:endCxn id="10" idx="2"/>
+          </p:cNvCxnSpPr>
+          <p:nvPr/>
+        </p:nvCxnSpPr>
+        <p:spPr>
+          <a:xfrm flipV="1">
+            <a:off x="7056264" y="4347651"/>
+            <a:ext cx="1" cy="935834"/>
+          </a:xfrm>
+          <a:prstGeom prst="straightConnector1">
+            <a:avLst/>
+          </a:prstGeom>
+          <a:ln>
+            <a:tailEnd type="triangle"/>
+          </a:ln>
+        </p:spPr>
+        <p:style>
+          <a:lnRef idx="1">
+            <a:schemeClr val="dk1"/>
+          </a:lnRef>
+          <a:fillRef idx="0">
+            <a:schemeClr val="dk1"/>
+          </a:fillRef>
+          <a:effectRef idx="0">
+            <a:schemeClr val="dk1"/>
+          </a:effectRef>
+          <a:fontRef idx="minor">
+            <a:schemeClr val="tx1"/>
+          </a:fontRef>
+        </p:style>
+      </p:cxnSp>
+      <p:cxnSp>
+        <p:nvCxnSpPr>
+          <p:cNvPr id="30" name="Straight Connector 29">
+            <a:extLst>
+              <a:ext uri="{FF2B5EF4-FFF2-40B4-BE49-F238E27FC236}">
+                <a16:creationId xmlns:a16="http://schemas.microsoft.com/office/drawing/2014/main" id="{49C7C2EF-C02E-8347-AAD1-CDDC89EAD549}"/>
+              </a:ext>
+            </a:extLst>
+          </p:cNvPr>
+          <p:cNvCxnSpPr>
+            <a:cxnSpLocks/>
+          </p:cNvCxnSpPr>
+          <p:nvPr/>
+        </p:nvCxnSpPr>
+        <p:spPr>
+          <a:xfrm flipV="1">
+            <a:off x="5532863" y="2483134"/>
+            <a:ext cx="0" cy="958453"/>
+          </a:xfrm>
+          <a:prstGeom prst="line">
+            <a:avLst/>
+          </a:prstGeom>
+          <a:ln>
+            <a:solidFill>
+              <a:srgbClr val="C00000"/>
+            </a:solidFill>
+          </a:ln>
+        </p:spPr>
+        <p:style>
+          <a:lnRef idx="1">
+            <a:schemeClr val="accent1"/>
+          </a:lnRef>
+          <a:fillRef idx="0">
+            <a:schemeClr val="accent1"/>
+          </a:fillRef>
+          <a:effectRef idx="0">
+            <a:schemeClr val="accent1"/>
+          </a:effectRef>
+          <a:fontRef idx="minor">
+            <a:schemeClr val="tx1"/>
+          </a:fontRef>
+        </p:style>
+      </p:cxnSp>
+      <p:cxnSp>
+        <p:nvCxnSpPr>
+          <p:cNvPr id="35" name="Straight Connector 34">
+            <a:extLst>
+              <a:ext uri="{FF2B5EF4-FFF2-40B4-BE49-F238E27FC236}">
+                <a16:creationId xmlns:a16="http://schemas.microsoft.com/office/drawing/2014/main" id="{3F7F5175-83FC-C743-878B-319875DC5199}"/>
+              </a:ext>
+            </a:extLst>
+          </p:cNvPr>
+          <p:cNvCxnSpPr>
+            <a:cxnSpLocks/>
+          </p:cNvCxnSpPr>
+          <p:nvPr/>
+        </p:nvCxnSpPr>
+        <p:spPr>
+          <a:xfrm>
+            <a:off x="5534051" y="2483134"/>
+            <a:ext cx="1522213" cy="0"/>
+          </a:xfrm>
+          <a:prstGeom prst="line">
+            <a:avLst/>
+          </a:prstGeom>
+          <a:ln>
+            <a:solidFill>
+              <a:srgbClr val="C00000"/>
+            </a:solidFill>
+          </a:ln>
+        </p:spPr>
+        <p:style>
+          <a:lnRef idx="1">
+            <a:schemeClr val="accent1"/>
+          </a:lnRef>
+          <a:fillRef idx="0">
+            <a:schemeClr val="accent1"/>
+          </a:fillRef>
+          <a:effectRef idx="0">
+            <a:schemeClr val="accent1"/>
+          </a:effectRef>
+          <a:fontRef idx="minor">
+            <a:schemeClr val="tx1"/>
+          </a:fontRef>
+        </p:style>
+      </p:cxnSp>
+      <p:cxnSp>
+        <p:nvCxnSpPr>
+          <p:cNvPr id="37" name="Straight Arrow Connector 36">
+            <a:extLst>
+              <a:ext uri="{FF2B5EF4-FFF2-40B4-BE49-F238E27FC236}">
+                <a16:creationId xmlns:a16="http://schemas.microsoft.com/office/drawing/2014/main" id="{FEEC1048-CF8B-B344-B712-B17CB8DF9991}"/>
+              </a:ext>
+            </a:extLst>
+          </p:cNvPr>
+          <p:cNvCxnSpPr>
+            <a:endCxn id="10" idx="0"/>
+          </p:cNvCxnSpPr>
+          <p:nvPr/>
+        </p:nvCxnSpPr>
+        <p:spPr>
+          <a:xfrm>
+            <a:off x="7056264" y="2492659"/>
+            <a:ext cx="1" cy="935831"/>
+          </a:xfrm>
+          <a:prstGeom prst="straightConnector1">
+            <a:avLst/>
+          </a:prstGeom>
+          <a:ln>
+            <a:solidFill>
+              <a:srgbClr val="C00000"/>
+            </a:solidFill>
+            <a:tailEnd type="triangle"/>
+          </a:ln>
+        </p:spPr>
+        <p:style>
+          <a:lnRef idx="1">
+            <a:schemeClr val="accent1"/>
+          </a:lnRef>
+          <a:fillRef idx="0">
+            <a:schemeClr val="accent1"/>
+          </a:fillRef>
+          <a:effectRef idx="0">
+            <a:schemeClr val="accent1"/>
+          </a:effectRef>
+          <a:fontRef idx="minor">
+            <a:schemeClr val="tx1"/>
+          </a:fontRef>
+        </p:style>
+      </p:cxnSp>
+      <p:cxnSp>
+        <p:nvCxnSpPr>
+          <p:cNvPr id="44" name="Straight Arrow Connector 43">
+            <a:extLst>
+              <a:ext uri="{FF2B5EF4-FFF2-40B4-BE49-F238E27FC236}">
+                <a16:creationId xmlns:a16="http://schemas.microsoft.com/office/drawing/2014/main" id="{2B130F1E-AC32-A34E-905C-03D13193DF5C}"/>
+              </a:ext>
+            </a:extLst>
+          </p:cNvPr>
+          <p:cNvCxnSpPr>
+            <a:stCxn id="10" idx="3"/>
+            <a:endCxn id="11" idx="1"/>
+          </p:cNvCxnSpPr>
+          <p:nvPr/>
+        </p:nvCxnSpPr>
+        <p:spPr>
+          <a:xfrm flipV="1">
+            <a:off x="7734920" y="3888070"/>
+            <a:ext cx="306615" cy="1"/>
+          </a:xfrm>
+          <a:prstGeom prst="straightConnector1">
+            <a:avLst/>
+          </a:prstGeom>
+          <a:ln>
+            <a:tailEnd type="triangle"/>
+          </a:ln>
+        </p:spPr>
+        <p:style>
+          <a:lnRef idx="1">
+            <a:schemeClr val="dk1"/>
+          </a:lnRef>
+          <a:fillRef idx="0">
+            <a:schemeClr val="dk1"/>
+          </a:fillRef>
+          <a:effectRef idx="0">
+            <a:schemeClr val="dk1"/>
+          </a:effectRef>
+          <a:fontRef idx="minor">
+            <a:schemeClr val="tx1"/>
+          </a:fontRef>
+        </p:style>
+      </p:cxnSp>
+      <p:cxnSp>
+        <p:nvCxnSpPr>
+          <p:cNvPr id="46" name="Straight Connector 45">
+            <a:extLst>
+              <a:ext uri="{FF2B5EF4-FFF2-40B4-BE49-F238E27FC236}">
+                <a16:creationId xmlns:a16="http://schemas.microsoft.com/office/drawing/2014/main" id="{B157B88A-9ACA-AA49-8794-557158896BC6}"/>
+              </a:ext>
+            </a:extLst>
+          </p:cNvPr>
+          <p:cNvCxnSpPr/>
+          <p:nvPr/>
+        </p:nvCxnSpPr>
+        <p:spPr>
+          <a:xfrm flipV="1">
+            <a:off x="7406394" y="2820591"/>
+            <a:ext cx="0" cy="607899"/>
+          </a:xfrm>
+          <a:prstGeom prst="line">
+            <a:avLst/>
+          </a:prstGeom>
+          <a:ln>
+            <a:solidFill>
+              <a:srgbClr val="C00000"/>
+            </a:solidFill>
+          </a:ln>
+        </p:spPr>
+        <p:style>
+          <a:lnRef idx="1">
+            <a:schemeClr val="accent1"/>
+          </a:lnRef>
+          <a:fillRef idx="0">
+            <a:schemeClr val="accent1"/>
+          </a:fillRef>
+          <a:effectRef idx="0">
+            <a:schemeClr val="accent1"/>
+          </a:effectRef>
+          <a:fontRef idx="minor">
+            <a:schemeClr val="tx1"/>
+          </a:fontRef>
+        </p:style>
+      </p:cxnSp>
+      <p:cxnSp>
+        <p:nvCxnSpPr>
+          <p:cNvPr id="50" name="Straight Connector 49">
+            <a:extLst>
+              <a:ext uri="{FF2B5EF4-FFF2-40B4-BE49-F238E27FC236}">
+                <a16:creationId xmlns:a16="http://schemas.microsoft.com/office/drawing/2014/main" id="{3A8C6DD3-D909-D549-9C19-A2FD863BD7AE}"/>
+              </a:ext>
+            </a:extLst>
+          </p:cNvPr>
+          <p:cNvCxnSpPr>
+            <a:cxnSpLocks/>
+          </p:cNvCxnSpPr>
+          <p:nvPr/>
+        </p:nvCxnSpPr>
+        <p:spPr>
+          <a:xfrm>
+            <a:off x="7417280" y="2820591"/>
+            <a:ext cx="3673696" cy="0"/>
+          </a:xfrm>
+          <a:prstGeom prst="line">
+            <a:avLst/>
+          </a:prstGeom>
+          <a:ln>
+            <a:solidFill>
+              <a:srgbClr val="C00000"/>
+            </a:solidFill>
+          </a:ln>
+        </p:spPr>
+        <p:style>
+          <a:lnRef idx="1">
+            <a:schemeClr val="accent1"/>
+          </a:lnRef>
+          <a:fillRef idx="0">
+            <a:schemeClr val="accent1"/>
+          </a:fillRef>
+          <a:effectRef idx="0">
+            <a:schemeClr val="accent1"/>
+          </a:effectRef>
+          <a:fontRef idx="minor">
+            <a:schemeClr val="tx1"/>
+          </a:fontRef>
+        </p:style>
+      </p:cxnSp>
+      <p:cxnSp>
+        <p:nvCxnSpPr>
+          <p:cNvPr id="52" name="Straight Arrow Connector 51">
+            <a:extLst>
+              <a:ext uri="{FF2B5EF4-FFF2-40B4-BE49-F238E27FC236}">
+                <a16:creationId xmlns:a16="http://schemas.microsoft.com/office/drawing/2014/main" id="{4D083BE2-723C-1E40-B411-83EE2F3E98BE}"/>
+              </a:ext>
+            </a:extLst>
+          </p:cNvPr>
+          <p:cNvCxnSpPr/>
+          <p:nvPr/>
+        </p:nvCxnSpPr>
+        <p:spPr>
+          <a:xfrm>
+            <a:off x="11090976" y="2829945"/>
+            <a:ext cx="0" cy="562655"/>
+          </a:xfrm>
+          <a:prstGeom prst="straightConnector1">
+            <a:avLst/>
+          </a:prstGeom>
+          <a:ln>
+            <a:solidFill>
+              <a:srgbClr val="C00000"/>
+            </a:solidFill>
+            <a:tailEnd type="triangle"/>
+          </a:ln>
+        </p:spPr>
+        <p:style>
+          <a:lnRef idx="1">
+            <a:schemeClr val="accent1"/>
+          </a:lnRef>
+          <a:fillRef idx="0">
+            <a:schemeClr val="accent1"/>
+          </a:fillRef>
+          <a:effectRef idx="0">
+            <a:schemeClr val="accent1"/>
+          </a:effectRef>
+          <a:fontRef idx="minor">
+            <a:schemeClr val="tx1"/>
+          </a:fontRef>
+        </p:style>
+      </p:cxnSp>
     </p:spTree>
     <p:extLst>
       <p:ext uri="{BB962C8B-B14F-4D97-AF65-F5344CB8AC3E}">
-        <p14:creationId xmlns:p14="http://schemas.microsoft.com/office/powerpoint/2010/main" val="3576860524"/>
+        <p14:creationId xmlns:p14="http://schemas.microsoft.com/office/powerpoint/2010/main" val="3681949757"/>
       </p:ext>
     </p:extLst>
   </p:cSld>
@@ -4667,7 +5846,7 @@
           <p:cNvPr id="2" name="Title 1">
             <a:extLst>
               <a:ext uri="{FF2B5EF4-FFF2-40B4-BE49-F238E27FC236}">
-                <a16:creationId xmlns:a16="http://schemas.microsoft.com/office/drawing/2014/main" id="{B8E234C7-42A6-1548-BE3F-9F32F0E52766}"/>
+                <a16:creationId xmlns:a16="http://schemas.microsoft.com/office/drawing/2014/main" id="{2405D88F-64C7-2447-9A6A-B9C83071F8BD}"/>
               </a:ext>
             </a:extLst>
           </p:cNvPr>
@@ -4685,7 +5864,7 @@
           <a:p>
             <a:r>
               <a:rPr lang="en-US" dirty="0"/>
-              <a:t>Application Features</a:t>
+              <a:t>Architecture</a:t>
             </a:r>
           </a:p>
         </p:txBody>
@@ -4695,7 +5874,7 @@
           <p:cNvPr id="3" name="Content Placeholder 2">
             <a:extLst>
               <a:ext uri="{FF2B5EF4-FFF2-40B4-BE49-F238E27FC236}">
-                <a16:creationId xmlns:a16="http://schemas.microsoft.com/office/drawing/2014/main" id="{579B26C7-422D-1547-83B4-65E4C6D4CC9F}"/>
+                <a16:creationId xmlns:a16="http://schemas.microsoft.com/office/drawing/2014/main" id="{B84E16C4-9C82-B647-9FB2-204AC67C1F8A}"/>
               </a:ext>
             </a:extLst>
           </p:cNvPr>
@@ -4709,121 +5888,153 @@
         <p:spPr>
           <a:xfrm>
             <a:off x="1097280" y="2108201"/>
-            <a:ext cx="10058400" cy="4183742"/>
+            <a:ext cx="10058400" cy="4172856"/>
           </a:xfrm>
         </p:spPr>
         <p:txBody>
           <a:bodyPr>
-            <a:normAutofit fontScale="92500" lnSpcReduction="10000"/>
+            <a:normAutofit fontScale="92500" lnSpcReduction="20000"/>
           </a:bodyPr>
           <a:lstStyle/>
           <a:p>
+            <a:pPr>
+              <a:lnSpc>
+                <a:spcPct val="100000"/>
+              </a:lnSpc>
+            </a:pPr>
             <a:r>
               <a:rPr lang="en-US" dirty="0"/>
-              <a:t>1. Ecosystem Admin</a:t>
+              <a:t>1. Ecosystem – Consists of a Network</a:t>
+            </a:r>
+          </a:p>
+          <a:p>
+            <a:pPr>
+              <a:lnSpc>
+                <a:spcPct val="100000"/>
+              </a:lnSpc>
+            </a:pPr>
+            <a:r>
+              <a:rPr lang="en-US" dirty="0"/>
+              <a:t>2. Network – Consists of two enterprise</a:t>
             </a:r>
           </a:p>
           <a:p>
             <a:pPr lvl="1"/>
             <a:r>
-              <a:rPr lang="en-US" dirty="0"/>
-              <a:t>Create, update and view network</a:t>
+              <a:rPr lang="en-US" sz="1600" dirty="0"/>
+              <a:t>Compound Pharmacy Enterprise: Manages manufacturing/research, inspection and delivery of formulation</a:t>
             </a:r>
           </a:p>
           <a:p>
             <a:pPr lvl="1"/>
             <a:r>
-              <a:rPr lang="en-US" dirty="0"/>
-              <a:t>Add enterprises under network</a:t>
+              <a:rPr lang="en-US" sz="1600" dirty="0"/>
+              <a:t>Marketing Enterprise: Manages advertising of newly accepted formulations and adds doctors and patients for requesting manufacturing/research</a:t>
+            </a:r>
+          </a:p>
+          <a:p>
+            <a:pPr>
+              <a:lnSpc>
+                <a:spcPct val="100000"/>
+              </a:lnSpc>
+            </a:pPr>
+            <a:r>
+              <a:rPr lang="en-US" sz="1800" dirty="0"/>
+              <a:t>3. Compound Pharmacy Enterprise – Consists of 4 organizations</a:t>
             </a:r>
           </a:p>
           <a:p>
             <a:pPr lvl="1"/>
             <a:r>
-              <a:rPr lang="en-US" dirty="0"/>
-              <a:t>Create employees under enterprise and provide login credentials and enterprise admin privileges </a:t>
-            </a:r>
-          </a:p>
-          <a:p>
-            <a:r>
-              <a:rPr lang="en-US" dirty="0"/>
-              <a:t>2. Enterprise Admin</a:t>
+              <a:rPr lang="en-US" sz="1600" dirty="0"/>
+              <a:t>Manufacture Organization</a:t>
             </a:r>
           </a:p>
           <a:p>
             <a:pPr lvl="1"/>
             <a:r>
-              <a:rPr lang="en-US" dirty="0"/>
-              <a:t>Create, update and view organizations</a:t>
+              <a:rPr lang="en-US" sz="1600" dirty="0"/>
+              <a:t>Research Organization</a:t>
             </a:r>
           </a:p>
           <a:p>
             <a:pPr lvl="1"/>
             <a:r>
-              <a:rPr lang="en-US" dirty="0"/>
-              <a:t>Add employees under organizations and add their respective user accounts for providing login </a:t>
-            </a:r>
-            <a:r>
-              <a:rPr lang="en-US" dirty="0" err="1"/>
-              <a:t>priviledges</a:t>
-            </a:r>
-            <a:endParaRPr lang="en-US" dirty="0"/>
+              <a:rPr lang="en-US" sz="1600" dirty="0"/>
+              <a:t>Inspection Organization</a:t>
+            </a:r>
           </a:p>
           <a:p>
             <a:pPr lvl="1"/>
             <a:r>
-              <a:rPr lang="en-US" dirty="0"/>
-              <a:t>View following pie charts:</a:t>
-            </a:r>
-          </a:p>
-          <a:p>
-            <a:pPr lvl="2"/>
-            <a:r>
-              <a:rPr lang="en-US" dirty="0"/>
-              <a:t>Employee-Organization distribution</a:t>
-            </a:r>
-          </a:p>
-          <a:p>
-            <a:pPr lvl="2"/>
-            <a:r>
-              <a:rPr lang="en-US" dirty="0"/>
-              <a:t>Organization-Work Request distribution</a:t>
-            </a:r>
-          </a:p>
-          <a:p>
-            <a:pPr lvl="2"/>
-            <a:r>
-              <a:rPr lang="en-US" dirty="0"/>
-              <a:t>Medicine-Manufacturing Distribution</a:t>
-            </a:r>
-          </a:p>
-          <a:p>
-            <a:pPr lvl="2"/>
-            <a:r>
-              <a:rPr lang="en-US" dirty="0"/>
-              <a:t>Medicine-Research Distribution</a:t>
-            </a:r>
-          </a:p>
-          <a:p>
-            <a:pPr lvl="2"/>
-            <a:r>
-              <a:rPr lang="en-US" dirty="0"/>
-              <a:t>State-wise manufacturing request</a:t>
-            </a:r>
-          </a:p>
-          <a:p>
-            <a:pPr lvl="2"/>
-            <a:r>
-              <a:rPr lang="en-US" dirty="0"/>
-              <a:t>State-wise research request</a:t>
-            </a:r>
+              <a:rPr lang="en-US" sz="1600" dirty="0"/>
+              <a:t>Delivery Organization</a:t>
+            </a:r>
+          </a:p>
+          <a:p>
+            <a:pPr>
+              <a:lnSpc>
+                <a:spcPct val="100000"/>
+              </a:lnSpc>
+            </a:pPr>
+            <a:r>
+              <a:rPr lang="en-US" sz="1800" dirty="0"/>
+              <a:t>4. Marketing Enterprise – Consists of 3 organizations</a:t>
+            </a:r>
+          </a:p>
+          <a:p>
+            <a:pPr lvl="1"/>
+            <a:r>
+              <a:rPr lang="en-US" sz="1600" dirty="0"/>
+              <a:t>Advertising Organization</a:t>
+            </a:r>
+          </a:p>
+          <a:p>
+            <a:pPr lvl="1"/>
+            <a:r>
+              <a:rPr lang="en-US" sz="1600" dirty="0"/>
+              <a:t>Doctor Organization</a:t>
+            </a:r>
+          </a:p>
+          <a:p>
+            <a:pPr lvl="1"/>
+            <a:r>
+              <a:rPr lang="en-US" sz="1600" dirty="0"/>
+              <a:t>Patient Organization</a:t>
+            </a:r>
+          </a:p>
+          <a:p>
+            <a:pPr>
+              <a:lnSpc>
+                <a:spcPct val="100000"/>
+              </a:lnSpc>
+            </a:pPr>
+            <a:endParaRPr lang="en-US" sz="1800" dirty="0"/>
+          </a:p>
+          <a:p>
+            <a:pPr marL="384048" lvl="2" indent="0">
+              <a:buNone/>
+            </a:pPr>
+            <a:endParaRPr lang="en-US" sz="1600" dirty="0"/>
+          </a:p>
+          <a:p>
+            <a:pPr marL="384048" lvl="2" indent="0">
+              <a:buNone/>
+            </a:pPr>
+            <a:endParaRPr lang="en-US" sz="1600" dirty="0"/>
+          </a:p>
+          <a:p>
+            <a:pPr marL="384048" lvl="2" indent="0">
+              <a:buNone/>
+            </a:pPr>
+            <a:endParaRPr lang="en-US" sz="1600" dirty="0"/>
           </a:p>
         </p:txBody>
       </p:sp>
     </p:spTree>
     <p:extLst>
       <p:ext uri="{BB962C8B-B14F-4D97-AF65-F5344CB8AC3E}">
-        <p14:creationId xmlns:p14="http://schemas.microsoft.com/office/powerpoint/2010/main" val="3392103714"/>
+        <p14:creationId xmlns:p14="http://schemas.microsoft.com/office/powerpoint/2010/main" val="3330474925"/>
       </p:ext>
     </p:extLst>
   </p:cSld>
@@ -4850,115 +6061,40 @@
           <a:chExt cx="0" cy="0"/>
         </a:xfrm>
       </p:grpSpPr>
-      <p:sp>
-        <p:nvSpPr>
-          <p:cNvPr id="2" name="Title 1">
-            <a:extLst>
-              <a:ext uri="{FF2B5EF4-FFF2-40B4-BE49-F238E27FC236}">
-                <a16:creationId xmlns:a16="http://schemas.microsoft.com/office/drawing/2014/main" id="{6D00FEDA-D42D-5E47-B1DC-547BD2C53C1B}"/>
-              </a:ext>
-            </a:extLst>
-          </p:cNvPr>
-          <p:cNvSpPr>
-            <a:spLocks noGrp="1"/>
-          </p:cNvSpPr>
-          <p:nvPr>
-            <p:ph type="title"/>
-          </p:nvPr>
-        </p:nvSpPr>
-        <p:spPr/>
-        <p:txBody>
-          <a:bodyPr/>
-          <a:lstStyle/>
-          <a:p>
-            <a:r>
-              <a:rPr lang="en-US" dirty="0"/>
-              <a:t>Application Features Cont..</a:t>
-            </a:r>
-          </a:p>
-        </p:txBody>
-      </p:sp>
-      <p:sp>
-        <p:nvSpPr>
-          <p:cNvPr id="3" name="Content Placeholder 2">
-            <a:extLst>
-              <a:ext uri="{FF2B5EF4-FFF2-40B4-BE49-F238E27FC236}">
-                <a16:creationId xmlns:a16="http://schemas.microsoft.com/office/drawing/2014/main" id="{4DC7E87D-E960-5546-B52E-54FDAF400FCD}"/>
-              </a:ext>
-            </a:extLst>
-          </p:cNvPr>
-          <p:cNvSpPr>
-            <a:spLocks noGrp="1"/>
-          </p:cNvSpPr>
-          <p:nvPr>
-            <p:ph idx="1"/>
-          </p:nvPr>
-        </p:nvSpPr>
-        <p:spPr/>
-        <p:txBody>
-          <a:bodyPr/>
-          <a:lstStyle/>
-          <a:p>
-            <a:r>
-              <a:rPr lang="en-US" dirty="0"/>
-              <a:t>3. Organization Employees</a:t>
-            </a:r>
-          </a:p>
-          <a:p>
-            <a:pPr lvl="1"/>
-            <a:r>
-              <a:rPr lang="en-US" dirty="0"/>
-              <a:t>Doctor Role – create work request for either manufacture/research a medicine</a:t>
-            </a:r>
-          </a:p>
-          <a:p>
-            <a:pPr lvl="1"/>
-            <a:r>
-              <a:rPr lang="en-US" dirty="0"/>
-              <a:t>Patient Role – create work request for manufacturing a medicine</a:t>
-            </a:r>
-          </a:p>
-          <a:p>
-            <a:pPr lvl="1"/>
-            <a:r>
-              <a:rPr lang="en-US" dirty="0"/>
-              <a:t>Manufacturing Role – accept a manufacturing W.R. and process for inspection</a:t>
-            </a:r>
-          </a:p>
-          <a:p>
-            <a:pPr lvl="1"/>
-            <a:r>
-              <a:rPr lang="en-US" dirty="0"/>
-              <a:t>Research Role – accept a research W.R. and process for inspection</a:t>
-            </a:r>
-          </a:p>
-          <a:p>
-            <a:pPr lvl="1"/>
-            <a:r>
-              <a:rPr lang="en-US" dirty="0"/>
-              <a:t>Inspection Role – accept an inspection W.R. and either process further for delivery/advertising or send it back to manufacture/research organization</a:t>
-            </a:r>
-          </a:p>
-          <a:p>
-            <a:pPr lvl="1"/>
-            <a:r>
-              <a:rPr lang="en-US" dirty="0"/>
-              <a:t>Delivery Role – accept a delivery W.R. and process for pickup. Send SMS with pickup code to the originator once the request is processed</a:t>
-            </a:r>
-          </a:p>
-          <a:p>
-            <a:pPr lvl="1"/>
-            <a:r>
-              <a:rPr lang="en-US" dirty="0"/>
-              <a:t>Advertising Role – accept an advertising W.R. and process for marketing. Once processed, an SMS is sent to originator and the medicine is made available for ordering</a:t>
-            </a:r>
-          </a:p>
-        </p:txBody>
-      </p:sp>
+      <p:pic>
+        <p:nvPicPr>
+          <p:cNvPr id="3" name="Picture 2" descr="A screenshot of a cell phone&#10;&#10;Description automatically generated">
+            <a:extLst>
+              <a:ext uri="{FF2B5EF4-FFF2-40B4-BE49-F238E27FC236}">
+                <a16:creationId xmlns:a16="http://schemas.microsoft.com/office/drawing/2014/main" id="{B7168E38-0875-4F49-8143-AA73CC1F22C5}"/>
+              </a:ext>
+            </a:extLst>
+          </p:cNvPr>
+          <p:cNvPicPr>
+            <a:picLocks noChangeAspect="1"/>
+          </p:cNvPicPr>
+          <p:nvPr/>
+        </p:nvPicPr>
+        <p:blipFill>
+          <a:blip r:embed="rId2"/>
+          <a:stretch>
+            <a:fillRect/>
+          </a:stretch>
+        </p:blipFill>
+        <p:spPr>
+          <a:xfrm>
+            <a:off x="445113" y="119743"/>
+            <a:ext cx="11370685" cy="6019799"/>
+          </a:xfrm>
+          <a:prstGeom prst="rect">
+            <a:avLst/>
+          </a:prstGeom>
+        </p:spPr>
+      </p:pic>
     </p:spTree>
     <p:extLst>
       <p:ext uri="{BB962C8B-B14F-4D97-AF65-F5344CB8AC3E}">
-        <p14:creationId xmlns:p14="http://schemas.microsoft.com/office/powerpoint/2010/main" val="1290070010"/>
+        <p14:creationId xmlns:p14="http://schemas.microsoft.com/office/powerpoint/2010/main" val="3576860524"/>
       </p:ext>
     </p:extLst>
   </p:cSld>
@@ -4985,70 +6121,163 @@
           <a:chExt cx="0" cy="0"/>
         </a:xfrm>
       </p:grpSpPr>
-      <p:pic>
-        <p:nvPicPr>
-          <p:cNvPr id="3" name="Picture 2" descr="A screenshot of a cell phone&#10;&#10;Description automatically generated">
-            <a:extLst>
-              <a:ext uri="{FF2B5EF4-FFF2-40B4-BE49-F238E27FC236}">
-                <a16:creationId xmlns:a16="http://schemas.microsoft.com/office/drawing/2014/main" id="{0FCF3401-8F3D-8C43-8EDD-80BB654109FA}"/>
-              </a:ext>
-            </a:extLst>
-          </p:cNvPr>
-          <p:cNvPicPr>
-            <a:picLocks noChangeAspect="1"/>
-          </p:cNvPicPr>
-          <p:nvPr/>
-        </p:nvPicPr>
-        <p:blipFill>
-          <a:blip r:embed="rId2"/>
-          <a:stretch>
-            <a:fillRect/>
-          </a:stretch>
-        </p:blipFill>
-        <p:spPr>
-          <a:xfrm>
-            <a:off x="206121" y="900112"/>
-            <a:ext cx="5775579" cy="4657725"/>
-          </a:xfrm>
-          <a:prstGeom prst="rect">
-            <a:avLst/>
-          </a:prstGeom>
-        </p:spPr>
-      </p:pic>
-      <p:pic>
-        <p:nvPicPr>
-          <p:cNvPr id="5" name="Picture 4" descr="A screenshot of a cell phone&#10;&#10;Description automatically generated">
-            <a:extLst>
-              <a:ext uri="{FF2B5EF4-FFF2-40B4-BE49-F238E27FC236}">
-                <a16:creationId xmlns:a16="http://schemas.microsoft.com/office/drawing/2014/main" id="{0F9CA9D0-7011-0D40-8561-D516E131DA2D}"/>
-              </a:ext>
-            </a:extLst>
-          </p:cNvPr>
-          <p:cNvPicPr>
-            <a:picLocks noChangeAspect="1"/>
-          </p:cNvPicPr>
-          <p:nvPr/>
-        </p:nvPicPr>
-        <p:blipFill>
-          <a:blip r:embed="rId3"/>
-          <a:stretch>
-            <a:fillRect/>
-          </a:stretch>
-        </p:blipFill>
-        <p:spPr>
-          <a:xfrm>
-            <a:off x="6136128" y="900112"/>
-            <a:ext cx="5823493" cy="4657725"/>
-          </a:xfrm>
-          <a:prstGeom prst="rect">
-            <a:avLst/>
-          </a:prstGeom>
-        </p:spPr>
-      </p:pic>
+      <p:sp>
+        <p:nvSpPr>
+          <p:cNvPr id="2" name="Title 1">
+            <a:extLst>
+              <a:ext uri="{FF2B5EF4-FFF2-40B4-BE49-F238E27FC236}">
+                <a16:creationId xmlns:a16="http://schemas.microsoft.com/office/drawing/2014/main" id="{B8E234C7-42A6-1548-BE3F-9F32F0E52766}"/>
+              </a:ext>
+            </a:extLst>
+          </p:cNvPr>
+          <p:cNvSpPr>
+            <a:spLocks noGrp="1"/>
+          </p:cNvSpPr>
+          <p:nvPr>
+            <p:ph type="title"/>
+          </p:nvPr>
+        </p:nvSpPr>
+        <p:spPr/>
+        <p:txBody>
+          <a:bodyPr/>
+          <a:lstStyle/>
+          <a:p>
+            <a:r>
+              <a:rPr lang="en-US" dirty="0"/>
+              <a:t>Application Use Cases</a:t>
+            </a:r>
+          </a:p>
+        </p:txBody>
+      </p:sp>
+      <p:sp>
+        <p:nvSpPr>
+          <p:cNvPr id="3" name="Content Placeholder 2">
+            <a:extLst>
+              <a:ext uri="{FF2B5EF4-FFF2-40B4-BE49-F238E27FC236}">
+                <a16:creationId xmlns:a16="http://schemas.microsoft.com/office/drawing/2014/main" id="{579B26C7-422D-1547-83B4-65E4C6D4CC9F}"/>
+              </a:ext>
+            </a:extLst>
+          </p:cNvPr>
+          <p:cNvSpPr>
+            <a:spLocks noGrp="1"/>
+          </p:cNvSpPr>
+          <p:nvPr>
+            <p:ph idx="1"/>
+          </p:nvPr>
+        </p:nvSpPr>
+        <p:spPr>
+          <a:xfrm>
+            <a:off x="1097280" y="2108201"/>
+            <a:ext cx="10058400" cy="4183742"/>
+          </a:xfrm>
+        </p:spPr>
+        <p:txBody>
+          <a:bodyPr>
+            <a:normAutofit fontScale="92500" lnSpcReduction="10000"/>
+          </a:bodyPr>
+          <a:lstStyle/>
+          <a:p>
+            <a:r>
+              <a:rPr lang="en-US" dirty="0"/>
+              <a:t>1. Ecosystem Admin</a:t>
+            </a:r>
+          </a:p>
+          <a:p>
+            <a:pPr lvl="1"/>
+            <a:r>
+              <a:rPr lang="en-US" dirty="0"/>
+              <a:t>Create, update, view and delete network</a:t>
+            </a:r>
+          </a:p>
+          <a:p>
+            <a:pPr lvl="1"/>
+            <a:r>
+              <a:rPr lang="en-US" dirty="0"/>
+              <a:t>Add and delete enterprises under network</a:t>
+            </a:r>
+          </a:p>
+          <a:p>
+            <a:pPr lvl="1"/>
+            <a:r>
+              <a:rPr lang="en-US" dirty="0"/>
+              <a:t>Create employees under enterprise and provide login credentials and enterprise admin privileges </a:t>
+            </a:r>
+          </a:p>
+          <a:p>
+            <a:r>
+              <a:rPr lang="en-US" dirty="0"/>
+              <a:t>2. Enterprise Admin</a:t>
+            </a:r>
+          </a:p>
+          <a:p>
+            <a:pPr lvl="1"/>
+            <a:r>
+              <a:rPr lang="en-US" dirty="0"/>
+              <a:t>Create, update and view organizations</a:t>
+            </a:r>
+          </a:p>
+          <a:p>
+            <a:pPr lvl="1"/>
+            <a:r>
+              <a:rPr lang="en-US" dirty="0"/>
+              <a:t>Add employees under organizations and add their respective user accounts for providing login privileges</a:t>
+            </a:r>
+          </a:p>
+          <a:p>
+            <a:pPr lvl="1"/>
+            <a:r>
+              <a:rPr lang="en-US" dirty="0"/>
+              <a:t>View following pie charts:</a:t>
+            </a:r>
+          </a:p>
+          <a:p>
+            <a:pPr lvl="2"/>
+            <a:r>
+              <a:rPr lang="en-US" dirty="0"/>
+              <a:t>Employee-Organization distribution</a:t>
+            </a:r>
+          </a:p>
+          <a:p>
+            <a:pPr lvl="2"/>
+            <a:r>
+              <a:rPr lang="en-US" dirty="0"/>
+              <a:t>Organization-Work Request distribution</a:t>
+            </a:r>
+          </a:p>
+          <a:p>
+            <a:pPr lvl="2"/>
+            <a:r>
+              <a:rPr lang="en-US" dirty="0"/>
+              <a:t>Medicine-Manufacturing Distribution</a:t>
+            </a:r>
+          </a:p>
+          <a:p>
+            <a:pPr lvl="2"/>
+            <a:r>
+              <a:rPr lang="en-US" dirty="0"/>
+              <a:t>Medicine-Research Distribution</a:t>
+            </a:r>
+          </a:p>
+          <a:p>
+            <a:pPr lvl="2"/>
+            <a:r>
+              <a:rPr lang="en-US" dirty="0"/>
+              <a:t>State-wise manufacturing request</a:t>
+            </a:r>
+          </a:p>
+          <a:p>
+            <a:pPr lvl="2"/>
+            <a:r>
+              <a:rPr lang="en-US" dirty="0"/>
+              <a:t>State-wise research request</a:t>
+            </a:r>
+          </a:p>
+        </p:txBody>
+      </p:sp>
     </p:spTree>
     <p:extLst>
       <p:ext uri="{BB962C8B-B14F-4D97-AF65-F5344CB8AC3E}">
-        <p14:creationId xmlns:p14="http://schemas.microsoft.com/office/powerpoint/2010/main" val="2738665729"/>
+        <p14:creationId xmlns:p14="http://schemas.microsoft.com/office/powerpoint/2010/main" val="3392103714"/>
       </p:ext>
     </p:extLst>
   </p:cSld>
@@ -5075,70 +6304,115 @@
           <a:chExt cx="0" cy="0"/>
         </a:xfrm>
       </p:grpSpPr>
-      <p:pic>
-        <p:nvPicPr>
-          <p:cNvPr id="3" name="Picture 2" descr="A screenshot of a cell phone&#10;&#10;Description automatically generated">
-            <a:extLst>
-              <a:ext uri="{FF2B5EF4-FFF2-40B4-BE49-F238E27FC236}">
-                <a16:creationId xmlns:a16="http://schemas.microsoft.com/office/drawing/2014/main" id="{7FFF185E-13F8-7D43-BE2F-E16F694A2B7D}"/>
-              </a:ext>
-            </a:extLst>
-          </p:cNvPr>
-          <p:cNvPicPr>
-            <a:picLocks noChangeAspect="1"/>
-          </p:cNvPicPr>
-          <p:nvPr/>
-        </p:nvPicPr>
-        <p:blipFill>
-          <a:blip r:embed="rId2"/>
-          <a:stretch>
-            <a:fillRect/>
-          </a:stretch>
-        </p:blipFill>
-        <p:spPr>
-          <a:xfrm>
-            <a:off x="123994" y="585788"/>
-            <a:ext cx="5740167" cy="4600575"/>
-          </a:xfrm>
-          <a:prstGeom prst="rect">
-            <a:avLst/>
-          </a:prstGeom>
-        </p:spPr>
-      </p:pic>
-      <p:pic>
-        <p:nvPicPr>
-          <p:cNvPr id="5" name="Picture 4" descr="A screenshot of a cell phone&#10;&#10;Description automatically generated">
-            <a:extLst>
-              <a:ext uri="{FF2B5EF4-FFF2-40B4-BE49-F238E27FC236}">
-                <a16:creationId xmlns:a16="http://schemas.microsoft.com/office/drawing/2014/main" id="{61C196F2-1193-D349-8CDC-1B5F6006F4CD}"/>
-              </a:ext>
-            </a:extLst>
-          </p:cNvPr>
-          <p:cNvPicPr>
-            <a:picLocks noChangeAspect="1"/>
-          </p:cNvPicPr>
-          <p:nvPr/>
-        </p:nvPicPr>
-        <p:blipFill>
-          <a:blip r:embed="rId3"/>
-          <a:stretch>
-            <a:fillRect/>
-          </a:stretch>
-        </p:blipFill>
-        <p:spPr>
-          <a:xfrm>
-            <a:off x="6067322" y="585787"/>
-            <a:ext cx="6000684" cy="4600576"/>
-          </a:xfrm>
-          <a:prstGeom prst="rect">
-            <a:avLst/>
-          </a:prstGeom>
-        </p:spPr>
-      </p:pic>
+      <p:sp>
+        <p:nvSpPr>
+          <p:cNvPr id="2" name="Title 1">
+            <a:extLst>
+              <a:ext uri="{FF2B5EF4-FFF2-40B4-BE49-F238E27FC236}">
+                <a16:creationId xmlns:a16="http://schemas.microsoft.com/office/drawing/2014/main" id="{6D00FEDA-D42D-5E47-B1DC-547BD2C53C1B}"/>
+              </a:ext>
+            </a:extLst>
+          </p:cNvPr>
+          <p:cNvSpPr>
+            <a:spLocks noGrp="1"/>
+          </p:cNvSpPr>
+          <p:nvPr>
+            <p:ph type="title"/>
+          </p:nvPr>
+        </p:nvSpPr>
+        <p:spPr/>
+        <p:txBody>
+          <a:bodyPr/>
+          <a:lstStyle/>
+          <a:p>
+            <a:r>
+              <a:rPr lang="en-US" dirty="0"/>
+              <a:t>Application Use Cases Cont..</a:t>
+            </a:r>
+          </a:p>
+        </p:txBody>
+      </p:sp>
+      <p:sp>
+        <p:nvSpPr>
+          <p:cNvPr id="3" name="Content Placeholder 2">
+            <a:extLst>
+              <a:ext uri="{FF2B5EF4-FFF2-40B4-BE49-F238E27FC236}">
+                <a16:creationId xmlns:a16="http://schemas.microsoft.com/office/drawing/2014/main" id="{4DC7E87D-E960-5546-B52E-54FDAF400FCD}"/>
+              </a:ext>
+            </a:extLst>
+          </p:cNvPr>
+          <p:cNvSpPr>
+            <a:spLocks noGrp="1"/>
+          </p:cNvSpPr>
+          <p:nvPr>
+            <p:ph idx="1"/>
+          </p:nvPr>
+        </p:nvSpPr>
+        <p:spPr/>
+        <p:txBody>
+          <a:bodyPr/>
+          <a:lstStyle/>
+          <a:p>
+            <a:r>
+              <a:rPr lang="en-US" dirty="0"/>
+              <a:t>3. Organization Employees</a:t>
+            </a:r>
+          </a:p>
+          <a:p>
+            <a:pPr lvl="1"/>
+            <a:r>
+              <a:rPr lang="en-US" dirty="0"/>
+              <a:t>Doctor Role – create work request for either manufacture/research a medicine</a:t>
+            </a:r>
+          </a:p>
+          <a:p>
+            <a:pPr lvl="1"/>
+            <a:r>
+              <a:rPr lang="en-US" dirty="0"/>
+              <a:t>Patient Role – create work request for manufacturing a medicine</a:t>
+            </a:r>
+          </a:p>
+          <a:p>
+            <a:pPr lvl="1"/>
+            <a:r>
+              <a:rPr lang="en-US" dirty="0"/>
+              <a:t>Manufacturing Role – accept a manufacturing W.R. and process for inspection</a:t>
+            </a:r>
+          </a:p>
+          <a:p>
+            <a:pPr lvl="1"/>
+            <a:r>
+              <a:rPr lang="en-US" dirty="0"/>
+              <a:t>Research Role – accept a research W.R. and process for inspection</a:t>
+            </a:r>
+          </a:p>
+          <a:p>
+            <a:pPr lvl="1"/>
+            <a:r>
+              <a:rPr lang="en-US" dirty="0"/>
+              <a:t>Inspection Role – accept an inspection W.R. and either process further for delivery/advertising or send it back to manufacture/research organization if inspection test cases fails</a:t>
+            </a:r>
+          </a:p>
+          <a:p>
+            <a:pPr lvl="1"/>
+            <a:r>
+              <a:rPr lang="en-US" dirty="0"/>
+              <a:t>Delivery Role – accept a delivery W.R. and process for pickup. Send SMS with pickup code to the originator once the request is processed</a:t>
+            </a:r>
+          </a:p>
+          <a:p>
+            <a:pPr lvl="1"/>
+            <a:r>
+              <a:rPr lang="en-US" dirty="0"/>
+              <a:t>Advertising Role – accept an advertising W.R. and process for marketing. Once processed, an SMS is sent to originator and the medicine is made available for ordering</a:t>
+            </a:r>
+          </a:p>
+        </p:txBody>
+      </p:sp>
     </p:spTree>
     <p:extLst>
       <p:ext uri="{BB962C8B-B14F-4D97-AF65-F5344CB8AC3E}">
-        <p14:creationId xmlns:p14="http://schemas.microsoft.com/office/powerpoint/2010/main" val="1648087736"/>
+        <p14:creationId xmlns:p14="http://schemas.microsoft.com/office/powerpoint/2010/main" val="1290070010"/>
       </p:ext>
     </p:extLst>
   </p:cSld>
@@ -5167,10 +6441,10 @@
       </p:grpSpPr>
       <p:pic>
         <p:nvPicPr>
-          <p:cNvPr id="3" name="Picture 2" descr="A screenshot of a cell phone&#10;&#10;Description automatically generated">
-            <a:extLst>
-              <a:ext uri="{FF2B5EF4-FFF2-40B4-BE49-F238E27FC236}">
-                <a16:creationId xmlns:a16="http://schemas.microsoft.com/office/drawing/2014/main" id="{26166C98-8E1D-DF4F-B0C1-9DA1162EF3B4}"/>
+          <p:cNvPr id="4" name="Picture 3" descr="A screenshot of a cell phone&#10;&#10;Description automatically generated">
+            <a:extLst>
+              <a:ext uri="{FF2B5EF4-FFF2-40B4-BE49-F238E27FC236}">
+                <a16:creationId xmlns:a16="http://schemas.microsoft.com/office/drawing/2014/main" id="{389087FE-334C-6B45-A439-00423CC68A6A}"/>
               </a:ext>
             </a:extLst>
           </p:cNvPr>
@@ -5187,18 +6461,91 @@
         </p:blipFill>
         <p:spPr>
           <a:xfrm>
-            <a:off x="4511618" y="65315"/>
-            <a:ext cx="3168763" cy="6215063"/>
+            <a:off x="128462" y="1273215"/>
+            <a:ext cx="5601006" cy="4667491"/>
           </a:xfrm>
           <a:prstGeom prst="rect">
             <a:avLst/>
           </a:prstGeom>
         </p:spPr>
       </p:pic>
+      <p:pic>
+        <p:nvPicPr>
+          <p:cNvPr id="9" name="Picture 8" descr="A screenshot of a cell phone&#10;&#10;Description automatically generated">
+            <a:extLst>
+              <a:ext uri="{FF2B5EF4-FFF2-40B4-BE49-F238E27FC236}">
+                <a16:creationId xmlns:a16="http://schemas.microsoft.com/office/drawing/2014/main" id="{199B5E86-C984-4C44-8F75-A5ACCB8A35C6}"/>
+              </a:ext>
+            </a:extLst>
+          </p:cNvPr>
+          <p:cNvPicPr>
+            <a:picLocks noChangeAspect="1"/>
+          </p:cNvPicPr>
+          <p:nvPr/>
+        </p:nvPicPr>
+        <p:blipFill>
+          <a:blip r:embed="rId3"/>
+          <a:stretch>
+            <a:fillRect/>
+          </a:stretch>
+        </p:blipFill>
+        <p:spPr>
+          <a:xfrm>
+            <a:off x="6462532" y="1273215"/>
+            <a:ext cx="5601006" cy="4667491"/>
+          </a:xfrm>
+          <a:prstGeom prst="rect">
+            <a:avLst/>
+          </a:prstGeom>
+        </p:spPr>
+      </p:pic>
+      <p:sp>
+        <p:nvSpPr>
+          <p:cNvPr id="10" name="TextBox 9">
+            <a:extLst>
+              <a:ext uri="{FF2B5EF4-FFF2-40B4-BE49-F238E27FC236}">
+                <a16:creationId xmlns:a16="http://schemas.microsoft.com/office/drawing/2014/main" id="{7E23798A-FB07-3A4B-BD17-E4F665E088EC}"/>
+              </a:ext>
+            </a:extLst>
+          </p:cNvPr>
+          <p:cNvSpPr txBox="1"/>
+          <p:nvPr/>
+        </p:nvSpPr>
+        <p:spPr>
+          <a:xfrm>
+            <a:off x="2716192" y="173621"/>
+            <a:ext cx="6759615" cy="461665"/>
+          </a:xfrm>
+          <a:prstGeom prst="rect">
+            <a:avLst/>
+          </a:prstGeom>
+          <a:noFill/>
+        </p:spPr>
+        <p:txBody>
+          <a:bodyPr wrap="square" rtlCol="0">
+            <a:spAutoFit/>
+          </a:bodyPr>
+          <a:lstStyle/>
+          <a:p>
+            <a:r>
+              <a:rPr lang="en-US" sz="2400" dirty="0">
+                <a:solidFill>
+                  <a:schemeClr val="tx1">
+                    <a:lumMod val="75000"/>
+                    <a:lumOff val="25000"/>
+                  </a:schemeClr>
+                </a:solidFill>
+                <a:latin typeface="+mj-lt"/>
+              </a:rPr>
+              <a:t>Data for Compound Pharmacy Enterprise</a:t>
+            </a:r>
+          </a:p>
+        </p:txBody>
+      </p:sp>
     </p:spTree>
     <p:extLst>
       <p:ext uri="{BB962C8B-B14F-4D97-AF65-F5344CB8AC3E}">
-        <p14:creationId xmlns:p14="http://schemas.microsoft.com/office/powerpoint/2010/main" val="1702595501"/>
+        <p14:creationId xmlns:p14="http://schemas.microsoft.com/office/powerpoint/2010/main" val="1648087736"/>
       </p:ext>
     </p:extLst>
   </p:cSld>
